--- a/Docs/JobFinder.pptx
+++ b/Docs/JobFinder.pptx
@@ -5,10 +5,10 @@
     <p:sldMasterId id="2147484308" r:id="rId1"/>
   </p:sldMasterIdLst>
   <p:notesMasterIdLst>
-    <p:notesMasterId r:id="rId13"/>
+    <p:notesMasterId r:id="rId17"/>
   </p:notesMasterIdLst>
   <p:handoutMasterIdLst>
-    <p:handoutMasterId r:id="rId14"/>
+    <p:handoutMasterId r:id="rId18"/>
   </p:handoutMasterIdLst>
   <p:sldIdLst>
     <p:sldId id="256" r:id="rId2"/>
@@ -17,11 +17,15 @@
     <p:sldId id="260" r:id="rId5"/>
     <p:sldId id="261" r:id="rId6"/>
     <p:sldId id="269" r:id="rId7"/>
-    <p:sldId id="262" r:id="rId8"/>
-    <p:sldId id="263" r:id="rId9"/>
-    <p:sldId id="264" r:id="rId10"/>
-    <p:sldId id="267" r:id="rId11"/>
-    <p:sldId id="268" r:id="rId12"/>
+    <p:sldId id="272" r:id="rId8"/>
+    <p:sldId id="271" r:id="rId9"/>
+    <p:sldId id="262" r:id="rId10"/>
+    <p:sldId id="263" r:id="rId11"/>
+    <p:sldId id="264" r:id="rId12"/>
+    <p:sldId id="267" r:id="rId13"/>
+    <p:sldId id="268" r:id="rId14"/>
+    <p:sldId id="274" r:id="rId15"/>
+    <p:sldId id="273" r:id="rId16"/>
   </p:sldIdLst>
   <p:sldSz cx="9144000" cy="6858000" type="screen4x3"/>
   <p:notesSz cx="6858000" cy="9144000"/>
@@ -282,7 +286,7 @@
     </p:spTree>
     <p:extLst>
       <p:ext uri="{BB962C8B-B14F-4D97-AF65-F5344CB8AC3E}">
-        <p14:creationId xmlns:p14="http://schemas.microsoft.com/office/powerpoint/2010/main" xmlns="" val="2036540104"/>
+        <p14:creationId xmlns:p14="http://schemas.microsoft.com/office/powerpoint/2010/main" val="2036540104"/>
       </p:ext>
     </p:extLst>
   </p:cSld>
@@ -542,7 +546,7 @@
     </p:spTree>
     <p:extLst>
       <p:ext uri="{BB962C8B-B14F-4D97-AF65-F5344CB8AC3E}">
-        <p14:creationId xmlns:p14="http://schemas.microsoft.com/office/powerpoint/2010/main" xmlns="" val="3469317988"/>
+        <p14:creationId xmlns:p14="http://schemas.microsoft.com/office/powerpoint/2010/main" val="3469317988"/>
       </p:ext>
     </p:extLst>
   </p:cSld>
@@ -686,7 +690,7 @@
           <a:bodyPr/>
           <a:lstStyle/>
           <a:p>
-            <a:endParaRPr lang="en-US"/>
+            <a:endParaRPr lang="en-US" dirty="0"/>
           </a:p>
         </p:txBody>
       </p:sp>
@@ -717,7 +721,229 @@
     </p:spTree>
     <p:extLst>
       <p:ext uri="{BB962C8B-B14F-4D97-AF65-F5344CB8AC3E}">
-        <p14:creationId xmlns:p14="http://schemas.microsoft.com/office/powerpoint/2010/main" xmlns="" val="3112328718"/>
+        <p14:creationId xmlns:p14="http://schemas.microsoft.com/office/powerpoint/2010/main" val="3112328718"/>
+      </p:ext>
+    </p:extLst>
+  </p:cSld>
+  <p:clrMapOvr>
+    <a:masterClrMapping/>
+  </p:clrMapOvr>
+</p:notes>
+</file>
+
+<file path=ppt/notesSlides/notesSlide2.xml><?xml version="1.0" encoding="utf-8"?>
+<p:notes xmlns:a="http://schemas.openxmlformats.org/drawingml/2006/main" xmlns:r="http://schemas.openxmlformats.org/officeDocument/2006/relationships" xmlns:p="http://schemas.openxmlformats.org/presentationml/2006/main">
+  <p:cSld>
+    <p:spTree>
+      <p:nvGrpSpPr>
+        <p:cNvPr id="1" name=""/>
+        <p:cNvGrpSpPr/>
+        <p:nvPr/>
+      </p:nvGrpSpPr>
+      <p:grpSpPr>
+        <a:xfrm>
+          <a:off x="0" y="0"/>
+          <a:ext cx="0" cy="0"/>
+          <a:chOff x="0" y="0"/>
+          <a:chExt cx="0" cy="0"/>
+        </a:xfrm>
+      </p:grpSpPr>
+      <p:sp>
+        <p:nvSpPr>
+          <p:cNvPr id="2" name="Slide Image Placeholder 1"/>
+          <p:cNvSpPr>
+            <a:spLocks noGrp="1" noRot="1" noChangeAspect="1"/>
+          </p:cNvSpPr>
+          <p:nvPr>
+            <p:ph type="sldImg"/>
+          </p:nvPr>
+        </p:nvSpPr>
+        <p:spPr/>
+      </p:sp>
+      <p:sp>
+        <p:nvSpPr>
+          <p:cNvPr id="3" name="Notes Placeholder 2"/>
+          <p:cNvSpPr>
+            <a:spLocks noGrp="1"/>
+          </p:cNvSpPr>
+          <p:nvPr>
+            <p:ph type="body" idx="1"/>
+          </p:nvPr>
+        </p:nvSpPr>
+        <p:spPr/>
+        <p:txBody>
+          <a:bodyPr/>
+          <a:lstStyle/>
+          <a:p>
+            <a:r>
+              <a:rPr lang="en-US" dirty="0" smtClean="0"/>
+              <a:t>Slide </a:t>
+            </a:r>
+            <a:r>
+              <a:rPr lang="en-US" dirty="0" err="1" smtClean="0"/>
+              <a:t>ngắn</a:t>
+            </a:r>
+            <a:r>
+              <a:rPr lang="en-US" baseline="0" dirty="0" smtClean="0"/>
+              <a:t> </a:t>
+            </a:r>
+            <a:r>
+              <a:rPr lang="en-US" baseline="0" dirty="0" err="1" smtClean="0"/>
+              <a:t>khỏi</a:t>
+            </a:r>
+            <a:r>
+              <a:rPr lang="en-US" baseline="0" dirty="0" smtClean="0"/>
+              <a:t> </a:t>
+            </a:r>
+            <a:r>
+              <a:rPr lang="en-US" baseline="0" dirty="0" err="1" smtClean="0"/>
+              <a:t>cần</a:t>
+            </a:r>
+            <a:r>
+              <a:rPr lang="en-US" baseline="0" dirty="0" smtClean="0"/>
+              <a:t> </a:t>
+            </a:r>
+            <a:r>
+              <a:rPr lang="en-US" baseline="0" dirty="0" err="1" smtClean="0"/>
+              <a:t>cái</a:t>
+            </a:r>
+            <a:r>
+              <a:rPr lang="en-US" baseline="0" dirty="0" smtClean="0"/>
+              <a:t> </a:t>
+            </a:r>
+            <a:r>
+              <a:rPr lang="en-US" baseline="0" dirty="0" err="1" smtClean="0"/>
+              <a:t>nì</a:t>
+            </a:r>
+            <a:r>
+              <a:rPr lang="en-US" baseline="0" dirty="0" smtClean="0"/>
+              <a:t> </a:t>
+            </a:r>
+            <a:r>
+              <a:rPr lang="en-US" baseline="0" dirty="0" err="1" smtClean="0"/>
+              <a:t>nhể</a:t>
+            </a:r>
+            <a:r>
+              <a:rPr lang="en-US" baseline="0" dirty="0" smtClean="0"/>
+              <a:t> ^_^</a:t>
+            </a:r>
+            <a:endParaRPr lang="en-US" dirty="0"/>
+          </a:p>
+        </p:txBody>
+      </p:sp>
+      <p:sp>
+        <p:nvSpPr>
+          <p:cNvPr id="4" name="Slide Number Placeholder 3"/>
+          <p:cNvSpPr>
+            <a:spLocks noGrp="1"/>
+          </p:cNvSpPr>
+          <p:nvPr>
+            <p:ph type="sldNum" sz="quarter" idx="10"/>
+          </p:nvPr>
+        </p:nvSpPr>
+        <p:spPr/>
+        <p:txBody>
+          <a:bodyPr/>
+          <a:lstStyle/>
+          <a:p>
+            <a:fld id="{DC9FD4F7-6CB0-48CC-9173-72196B646BFE}" type="slidenum">
+              <a:rPr lang="en-US" smtClean="0"/>
+              <a:pPr/>
+              <a:t>2</a:t>
+            </a:fld>
+            <a:endParaRPr lang="en-US"/>
+          </a:p>
+        </p:txBody>
+      </p:sp>
+    </p:spTree>
+    <p:extLst>
+      <p:ext uri="{BB962C8B-B14F-4D97-AF65-F5344CB8AC3E}">
+        <p14:creationId xmlns:p14="http://schemas.microsoft.com/office/powerpoint/2010/main" val="3404099501"/>
+      </p:ext>
+    </p:extLst>
+  </p:cSld>
+  <p:clrMapOvr>
+    <a:masterClrMapping/>
+  </p:clrMapOvr>
+</p:notes>
+</file>
+
+<file path=ppt/notesSlides/notesSlide3.xml><?xml version="1.0" encoding="utf-8"?>
+<p:notes xmlns:a="http://schemas.openxmlformats.org/drawingml/2006/main" xmlns:r="http://schemas.openxmlformats.org/officeDocument/2006/relationships" xmlns:p="http://schemas.openxmlformats.org/presentationml/2006/main">
+  <p:cSld>
+    <p:spTree>
+      <p:nvGrpSpPr>
+        <p:cNvPr id="1" name=""/>
+        <p:cNvGrpSpPr/>
+        <p:nvPr/>
+      </p:nvGrpSpPr>
+      <p:grpSpPr>
+        <a:xfrm>
+          <a:off x="0" y="0"/>
+          <a:ext cx="0" cy="0"/>
+          <a:chOff x="0" y="0"/>
+          <a:chExt cx="0" cy="0"/>
+        </a:xfrm>
+      </p:grpSpPr>
+      <p:sp>
+        <p:nvSpPr>
+          <p:cNvPr id="2" name="Slide Image Placeholder 1"/>
+          <p:cNvSpPr>
+            <a:spLocks noGrp="1" noRot="1" noChangeAspect="1"/>
+          </p:cNvSpPr>
+          <p:nvPr>
+            <p:ph type="sldImg"/>
+          </p:nvPr>
+        </p:nvSpPr>
+        <p:spPr/>
+      </p:sp>
+      <p:sp>
+        <p:nvSpPr>
+          <p:cNvPr id="3" name="Notes Placeholder 2"/>
+          <p:cNvSpPr>
+            <a:spLocks noGrp="1"/>
+          </p:cNvSpPr>
+          <p:nvPr>
+            <p:ph type="body" idx="1"/>
+          </p:nvPr>
+        </p:nvSpPr>
+        <p:spPr/>
+        <p:txBody>
+          <a:bodyPr/>
+          <a:lstStyle/>
+          <a:p>
+            <a:endParaRPr lang="en-US" dirty="0"/>
+          </a:p>
+        </p:txBody>
+      </p:sp>
+      <p:sp>
+        <p:nvSpPr>
+          <p:cNvPr id="4" name="Slide Number Placeholder 3"/>
+          <p:cNvSpPr>
+            <a:spLocks noGrp="1"/>
+          </p:cNvSpPr>
+          <p:nvPr>
+            <p:ph type="sldNum" sz="quarter" idx="10"/>
+          </p:nvPr>
+        </p:nvSpPr>
+        <p:spPr/>
+        <p:txBody>
+          <a:bodyPr/>
+          <a:lstStyle/>
+          <a:p>
+            <a:fld id="{DC9FD4F7-6CB0-48CC-9173-72196B646BFE}" type="slidenum">
+              <a:rPr lang="en-US" smtClean="0"/>
+              <a:pPr/>
+              <a:t>14</a:t>
+            </a:fld>
+            <a:endParaRPr lang="en-US"/>
+          </a:p>
+        </p:txBody>
+      </p:sp>
+    </p:spTree>
+    <p:extLst>
+      <p:ext uri="{BB962C8B-B14F-4D97-AF65-F5344CB8AC3E}">
+        <p14:creationId xmlns:p14="http://schemas.microsoft.com/office/powerpoint/2010/main" val="406964165"/>
       </p:ext>
     </p:extLst>
   </p:cSld>
@@ -4794,17 +5020,17 @@
         </p:nvSpPr>
         <p:spPr>
           <a:xfrm>
-            <a:off x="457200" y="3886200"/>
-            <a:ext cx="4953000" cy="2514600"/>
+            <a:off x="838200" y="3505200"/>
+            <a:ext cx="4343400" cy="838200"/>
           </a:xfrm>
         </p:spPr>
         <p:txBody>
           <a:bodyPr>
-            <a:normAutofit fontScale="92500" lnSpcReduction="20000"/>
+            <a:normAutofit fontScale="70000" lnSpcReduction="20000"/>
           </a:bodyPr>
           <a:lstStyle/>
           <a:p>
-            <a:endParaRPr lang="en-US" smtClean="0"/>
+            <a:endParaRPr lang="en-US" dirty="0" smtClean="0"/>
           </a:p>
           <a:p>
             <a:pPr>
@@ -4813,75 +5039,481 @@
               </a:lnSpc>
             </a:pPr>
             <a:r>
-              <a:rPr lang="en-US" smtClean="0">
+              <a:rPr lang="en-US" sz="2900" dirty="0" smtClean="0">
                 <a:solidFill>
                   <a:schemeClr val="tx1"/>
                 </a:solidFill>
               </a:rPr>
-              <a:t>GVHD: Phạm Thị Kim Ngôn</a:t>
-            </a:r>
-            <a:endParaRPr lang="en-US" smtClean="0">
+              <a:t>GVHD</a:t>
+            </a:r>
+            <a:r>
+              <a:rPr lang="en-US" dirty="0" smtClean="0">
+                <a:solidFill>
+                  <a:schemeClr val="tx1"/>
+                </a:solidFill>
+              </a:rPr>
+              <a:t>: </a:t>
+            </a:r>
+            <a:r>
+              <a:rPr lang="en-US" sz="3400" dirty="0" err="1" smtClean="0">
+                <a:solidFill>
+                  <a:schemeClr val="tx1"/>
+                </a:solidFill>
+              </a:rPr>
+              <a:t>Phạm</a:t>
+            </a:r>
+            <a:r>
+              <a:rPr lang="en-US" sz="3400" dirty="0" smtClean="0">
+                <a:solidFill>
+                  <a:schemeClr val="tx1"/>
+                </a:solidFill>
+              </a:rPr>
+              <a:t> </a:t>
+            </a:r>
+            <a:r>
+              <a:rPr lang="en-US" sz="3400" dirty="0" err="1" smtClean="0">
+                <a:solidFill>
+                  <a:schemeClr val="tx1"/>
+                </a:solidFill>
+              </a:rPr>
+              <a:t>Thị</a:t>
+            </a:r>
+            <a:r>
+              <a:rPr lang="en-US" sz="3400" dirty="0" smtClean="0">
+                <a:solidFill>
+                  <a:schemeClr val="tx1"/>
+                </a:solidFill>
+              </a:rPr>
+              <a:t> Kim </a:t>
+            </a:r>
+            <a:r>
+              <a:rPr lang="en-US" sz="3400" dirty="0" err="1" smtClean="0">
+                <a:solidFill>
+                  <a:schemeClr val="tx1"/>
+                </a:solidFill>
+              </a:rPr>
+              <a:t>Ngôn</a:t>
+            </a:r>
+            <a:endParaRPr lang="en-US" sz="3400" dirty="0" smtClean="0">
               <a:solidFill>
                 <a:schemeClr val="tx1"/>
               </a:solidFill>
             </a:endParaRPr>
           </a:p>
+        </p:txBody>
+      </p:sp>
+      <p:sp>
+        <p:nvSpPr>
+          <p:cNvPr id="4" name="Subtitle 2"/>
+          <p:cNvSpPr txBox="1">
+            <a:spLocks/>
+          </p:cNvSpPr>
+          <p:nvPr/>
+        </p:nvSpPr>
+        <p:spPr>
+          <a:xfrm>
+            <a:off x="3886200" y="4343400"/>
+            <a:ext cx="4953000" cy="2362200"/>
+          </a:xfrm>
+          <a:prstGeom prst="rect">
+            <a:avLst/>
+          </a:prstGeom>
+        </p:spPr>
+        <p:txBody>
+          <a:bodyPr vert="horz">
+            <a:normAutofit/>
+          </a:bodyPr>
+          <a:lstStyle>
+            <a:lvl1pPr marL="64008" indent="0" algn="l" rtl="0" eaLnBrk="1" latinLnBrk="0" hangingPunct="1">
+              <a:spcBef>
+                <a:spcPts val="300"/>
+              </a:spcBef>
+              <a:buClr>
+                <a:schemeClr val="accent3"/>
+              </a:buClr>
+              <a:buFont typeface="Georgia"/>
+              <a:buNone/>
+              <a:defRPr kumimoji="0" sz="2400" kern="1200">
+                <a:solidFill>
+                  <a:schemeClr val="tx2"/>
+                </a:solidFill>
+                <a:latin typeface="+mn-lt"/>
+                <a:ea typeface="+mn-ea"/>
+                <a:cs typeface="+mn-cs"/>
+              </a:defRPr>
+            </a:lvl1pPr>
+            <a:lvl2pPr marL="457200" indent="0" algn="ctr" rtl="0" eaLnBrk="1" latinLnBrk="0" hangingPunct="1">
+              <a:spcBef>
+                <a:spcPts val="300"/>
+              </a:spcBef>
+              <a:buClr>
+                <a:schemeClr val="accent2"/>
+              </a:buClr>
+              <a:buFont typeface="Georgia"/>
+              <a:buNone/>
+              <a:defRPr kumimoji="0" sz="2600" kern="1200">
+                <a:solidFill>
+                  <a:schemeClr val="accent2"/>
+                </a:solidFill>
+                <a:latin typeface="+mn-lt"/>
+                <a:ea typeface="+mn-ea"/>
+                <a:cs typeface="+mn-cs"/>
+              </a:defRPr>
+            </a:lvl2pPr>
+            <a:lvl3pPr marL="914400" indent="0" algn="ctr" rtl="0" eaLnBrk="1" latinLnBrk="0" hangingPunct="1">
+              <a:spcBef>
+                <a:spcPts val="300"/>
+              </a:spcBef>
+              <a:buClr>
+                <a:schemeClr val="accent1"/>
+              </a:buClr>
+              <a:buFont typeface="Wingdings 2"/>
+              <a:buNone/>
+              <a:defRPr kumimoji="0" sz="2400" kern="1200">
+                <a:solidFill>
+                  <a:schemeClr val="accent1"/>
+                </a:solidFill>
+                <a:latin typeface="+mn-lt"/>
+                <a:ea typeface="+mn-ea"/>
+                <a:cs typeface="+mn-cs"/>
+              </a:defRPr>
+            </a:lvl3pPr>
+            <a:lvl4pPr marL="1371600" indent="0" algn="ctr" rtl="0" eaLnBrk="1" latinLnBrk="0" hangingPunct="1">
+              <a:spcBef>
+                <a:spcPts val="300"/>
+              </a:spcBef>
+              <a:buClr>
+                <a:schemeClr val="accent1"/>
+              </a:buClr>
+              <a:buFont typeface="Wingdings 2"/>
+              <a:buNone/>
+              <a:defRPr kumimoji="0" sz="2200" kern="1200">
+                <a:solidFill>
+                  <a:schemeClr val="accent1"/>
+                </a:solidFill>
+                <a:latin typeface="+mn-lt"/>
+                <a:ea typeface="+mn-ea"/>
+                <a:cs typeface="+mn-cs"/>
+              </a:defRPr>
+            </a:lvl4pPr>
+            <a:lvl5pPr marL="1828800" indent="0" algn="ctr" rtl="0" eaLnBrk="1" latinLnBrk="0" hangingPunct="1">
+              <a:spcBef>
+                <a:spcPts val="300"/>
+              </a:spcBef>
+              <a:buClr>
+                <a:schemeClr val="accent3"/>
+              </a:buClr>
+              <a:buFont typeface="Georgia"/>
+              <a:buNone/>
+              <a:defRPr kumimoji="0" sz="2000" kern="1200">
+                <a:solidFill>
+                  <a:schemeClr val="accent3"/>
+                </a:solidFill>
+                <a:latin typeface="+mn-lt"/>
+                <a:ea typeface="+mn-ea"/>
+                <a:cs typeface="+mn-cs"/>
+              </a:defRPr>
+            </a:lvl5pPr>
+            <a:lvl6pPr marL="2286000" indent="0" algn="ctr" rtl="0" eaLnBrk="1" latinLnBrk="0" hangingPunct="1">
+              <a:spcBef>
+                <a:spcPts val="300"/>
+              </a:spcBef>
+              <a:buClr>
+                <a:schemeClr val="accent3"/>
+              </a:buClr>
+              <a:buFont typeface="Georgia"/>
+              <a:buNone/>
+              <a:defRPr kumimoji="0" sz="1800" kern="1200">
+                <a:solidFill>
+                  <a:schemeClr val="accent3"/>
+                </a:solidFill>
+                <a:latin typeface="+mn-lt"/>
+                <a:ea typeface="+mn-ea"/>
+                <a:cs typeface="+mn-cs"/>
+              </a:defRPr>
+            </a:lvl6pPr>
+            <a:lvl7pPr marL="2743200" indent="0" algn="ctr" rtl="0" eaLnBrk="1" latinLnBrk="0" hangingPunct="1">
+              <a:spcBef>
+                <a:spcPts val="300"/>
+              </a:spcBef>
+              <a:buClr>
+                <a:schemeClr val="accent3"/>
+              </a:buClr>
+              <a:buFont typeface="Georgia"/>
+              <a:buNone/>
+              <a:defRPr kumimoji="0" sz="1600" kern="1200">
+                <a:solidFill>
+                  <a:schemeClr val="accent3"/>
+                </a:solidFill>
+                <a:latin typeface="+mn-lt"/>
+                <a:ea typeface="+mn-ea"/>
+                <a:cs typeface="+mn-cs"/>
+              </a:defRPr>
+            </a:lvl7pPr>
+            <a:lvl8pPr marL="3200400" indent="0" algn="ctr" rtl="0" eaLnBrk="1" latinLnBrk="0" hangingPunct="1">
+              <a:spcBef>
+                <a:spcPts val="300"/>
+              </a:spcBef>
+              <a:buClr>
+                <a:schemeClr val="accent3"/>
+              </a:buClr>
+              <a:buFont typeface="Georgia"/>
+              <a:buNone/>
+              <a:defRPr kumimoji="0" sz="1500" kern="1200">
+                <a:solidFill>
+                  <a:schemeClr val="accent3"/>
+                </a:solidFill>
+                <a:latin typeface="+mn-lt"/>
+                <a:ea typeface="+mn-ea"/>
+                <a:cs typeface="+mn-cs"/>
+              </a:defRPr>
+            </a:lvl8pPr>
+            <a:lvl9pPr marL="3657600" indent="0" algn="ctr" rtl="0" eaLnBrk="1" latinLnBrk="0" hangingPunct="1">
+              <a:spcBef>
+                <a:spcPts val="300"/>
+              </a:spcBef>
+              <a:buClr>
+                <a:schemeClr val="accent3"/>
+              </a:buClr>
+              <a:buFont typeface="Georgia"/>
+              <a:buNone/>
+              <a:defRPr kumimoji="0" sz="1400" kern="1200" baseline="0">
+                <a:solidFill>
+                  <a:schemeClr val="accent3"/>
+                </a:solidFill>
+                <a:latin typeface="+mn-lt"/>
+                <a:ea typeface="+mn-ea"/>
+                <a:cs typeface="+mn-cs"/>
+              </a:defRPr>
+            </a:lvl9pPr>
+          </a:lstStyle>
           <a:p>
             <a:pPr>
               <a:lnSpc>
-                <a:spcPct val="170000"/>
+                <a:spcPct val="110000"/>
               </a:lnSpc>
+              <a:spcBef>
+                <a:spcPts val="0"/>
+              </a:spcBef>
             </a:pPr>
             <a:r>
-              <a:rPr lang="en-US" smtClean="0">
+              <a:rPr lang="en-US" dirty="0" err="1" smtClean="0">
                 <a:solidFill>
                   <a:schemeClr val="tx1"/>
                 </a:solidFill>
               </a:rPr>
-              <a:t>Phùng Chí Nguyên</a:t>
-            </a:r>
-          </a:p>
-          <a:p>
-            <a:r>
-              <a:rPr lang="en-US" smtClean="0">
+              <a:t>Nhóm</a:t>
+            </a:r>
+            <a:r>
+              <a:rPr lang="en-US" dirty="0" smtClean="0">
                 <a:solidFill>
                   <a:schemeClr val="tx1"/>
                 </a:solidFill>
               </a:rPr>
-              <a:t>Trần Thị Kim Huê</a:t>
-            </a:r>
-          </a:p>
-          <a:p>
-            <a:r>
-              <a:rPr lang="en-US" smtClean="0">
+              <a:t> 06:</a:t>
+            </a:r>
+          </a:p>
+          <a:p>
+            <a:pPr>
+              <a:lnSpc>
+                <a:spcPct val="110000"/>
+              </a:lnSpc>
+            </a:pPr>
+            <a:r>
+              <a:rPr lang="en-US" dirty="0" err="1" smtClean="0">
                 <a:solidFill>
                   <a:schemeClr val="tx1"/>
                 </a:solidFill>
               </a:rPr>
-              <a:t>Nguyễn Đức Huy</a:t>
-            </a:r>
-          </a:p>
-          <a:p>
-            <a:r>
-              <a:rPr lang="en-US" smtClean="0">
+              <a:t>Phùng</a:t>
+            </a:r>
+            <a:r>
+              <a:rPr lang="en-US" dirty="0" smtClean="0">
                 <a:solidFill>
                   <a:schemeClr val="tx1"/>
                 </a:solidFill>
               </a:rPr>
-              <a:t>Nguyễn Ngọc Nghĩa</a:t>
-            </a:r>
-            <a:endParaRPr lang="en-US">
+              <a:t> </a:t>
+            </a:r>
+            <a:r>
+              <a:rPr lang="en-US" dirty="0" err="1" smtClean="0">
+                <a:solidFill>
+                  <a:schemeClr val="tx1"/>
+                </a:solidFill>
+              </a:rPr>
+              <a:t>Chí</a:t>
+            </a:r>
+            <a:r>
+              <a:rPr lang="en-US" dirty="0" smtClean="0">
+                <a:solidFill>
+                  <a:schemeClr val="tx1"/>
+                </a:solidFill>
+              </a:rPr>
+              <a:t> </a:t>
+            </a:r>
+            <a:r>
+              <a:rPr lang="en-US" dirty="0" err="1" smtClean="0">
+                <a:solidFill>
+                  <a:schemeClr val="tx1"/>
+                </a:solidFill>
+              </a:rPr>
+              <a:t>Nguyên</a:t>
+            </a:r>
+            <a:endParaRPr lang="en-US" dirty="0" smtClean="0">
               <a:solidFill>
                 <a:schemeClr val="tx1"/>
               </a:solidFill>
             </a:endParaRPr>
           </a:p>
+          <a:p>
+            <a:pPr>
+              <a:lnSpc>
+                <a:spcPct val="110000"/>
+              </a:lnSpc>
+            </a:pPr>
+            <a:r>
+              <a:rPr lang="en-US" dirty="0" err="1" smtClean="0">
+                <a:solidFill>
+                  <a:schemeClr val="tx1"/>
+                </a:solidFill>
+              </a:rPr>
+              <a:t>Trần</a:t>
+            </a:r>
+            <a:r>
+              <a:rPr lang="en-US" dirty="0" smtClean="0">
+                <a:solidFill>
+                  <a:schemeClr val="tx1"/>
+                </a:solidFill>
+              </a:rPr>
+              <a:t> </a:t>
+            </a:r>
+            <a:r>
+              <a:rPr lang="en-US" dirty="0" err="1" smtClean="0">
+                <a:solidFill>
+                  <a:schemeClr val="tx1"/>
+                </a:solidFill>
+              </a:rPr>
+              <a:t>Thị</a:t>
+            </a:r>
+            <a:r>
+              <a:rPr lang="en-US" dirty="0" smtClean="0">
+                <a:solidFill>
+                  <a:schemeClr val="tx1"/>
+                </a:solidFill>
+              </a:rPr>
+              <a:t> Kim </a:t>
+            </a:r>
+            <a:r>
+              <a:rPr lang="en-US" dirty="0" err="1" smtClean="0">
+                <a:solidFill>
+                  <a:schemeClr val="tx1"/>
+                </a:solidFill>
+              </a:rPr>
+              <a:t>Huê</a:t>
+            </a:r>
+            <a:endParaRPr lang="en-US" dirty="0" smtClean="0">
+              <a:solidFill>
+                <a:schemeClr val="tx1"/>
+              </a:solidFill>
+            </a:endParaRPr>
+          </a:p>
+          <a:p>
+            <a:pPr>
+              <a:lnSpc>
+                <a:spcPct val="110000"/>
+              </a:lnSpc>
+            </a:pPr>
+            <a:r>
+              <a:rPr lang="en-US" dirty="0" err="1" smtClean="0">
+                <a:solidFill>
+                  <a:schemeClr val="tx1"/>
+                </a:solidFill>
+              </a:rPr>
+              <a:t>Nguyễn</a:t>
+            </a:r>
+            <a:r>
+              <a:rPr lang="en-US" dirty="0" smtClean="0">
+                <a:solidFill>
+                  <a:schemeClr val="tx1"/>
+                </a:solidFill>
+              </a:rPr>
+              <a:t> </a:t>
+            </a:r>
+            <a:r>
+              <a:rPr lang="en-US" dirty="0" err="1" smtClean="0">
+                <a:solidFill>
+                  <a:schemeClr val="tx1"/>
+                </a:solidFill>
+              </a:rPr>
+              <a:t>Đức</a:t>
+            </a:r>
+            <a:r>
+              <a:rPr lang="en-US" dirty="0" smtClean="0">
+                <a:solidFill>
+                  <a:schemeClr val="tx1"/>
+                </a:solidFill>
+              </a:rPr>
+              <a:t> Huy</a:t>
+            </a:r>
+          </a:p>
+          <a:p>
+            <a:pPr>
+              <a:lnSpc>
+                <a:spcPct val="110000"/>
+              </a:lnSpc>
+            </a:pPr>
+            <a:r>
+              <a:rPr lang="en-US" dirty="0" err="1" smtClean="0">
+                <a:solidFill>
+                  <a:schemeClr val="tx1"/>
+                </a:solidFill>
+              </a:rPr>
+              <a:t>Nguyễn</a:t>
+            </a:r>
+            <a:r>
+              <a:rPr lang="en-US" dirty="0" smtClean="0">
+                <a:solidFill>
+                  <a:schemeClr val="tx1"/>
+                </a:solidFill>
+              </a:rPr>
+              <a:t> </a:t>
+            </a:r>
+            <a:r>
+              <a:rPr lang="en-US" dirty="0" err="1" smtClean="0">
+                <a:solidFill>
+                  <a:schemeClr val="tx1"/>
+                </a:solidFill>
+              </a:rPr>
+              <a:t>Ngọc</a:t>
+            </a:r>
+            <a:r>
+              <a:rPr lang="en-US" dirty="0" smtClean="0">
+                <a:solidFill>
+                  <a:schemeClr val="tx1"/>
+                </a:solidFill>
+              </a:rPr>
+              <a:t> </a:t>
+            </a:r>
+            <a:r>
+              <a:rPr lang="en-US" dirty="0" err="1" smtClean="0">
+                <a:solidFill>
+                  <a:schemeClr val="tx1"/>
+                </a:solidFill>
+              </a:rPr>
+              <a:t>Nghĩa</a:t>
+            </a:r>
+            <a:endParaRPr lang="en-US" dirty="0">
+              <a:solidFill>
+                <a:schemeClr val="tx1"/>
+              </a:solidFill>
+            </a:endParaRPr>
+          </a:p>
         </p:txBody>
       </p:sp>
     </p:spTree>
     <p:extLst>
       <p:ext uri="{BB962C8B-B14F-4D97-AF65-F5344CB8AC3E}">
-        <p14:creationId xmlns:p14="http://schemas.microsoft.com/office/powerpoint/2010/main" xmlns="" val="2399970125"/>
+        <p14:creationId xmlns:p14="http://schemas.microsoft.com/office/powerpoint/2010/main" val="2399970125"/>
       </p:ext>
     </p:extLst>
   </p:cSld>
@@ -4927,8 +5559,8 @@
         </p:nvSpPr>
         <p:spPr>
           <a:xfrm>
-            <a:off x="533400" y="609600"/>
-            <a:ext cx="8229600" cy="838200"/>
+            <a:off x="457200" y="457200"/>
+            <a:ext cx="8229600" cy="1066800"/>
           </a:xfrm>
         </p:spPr>
         <p:txBody>
@@ -4938,83 +5570,10 @@
           <a:lstStyle/>
           <a:p>
             <a:r>
-              <a:rPr lang="en-US" sz="3200" smtClean="0"/>
-              <a:t>Các chức năng của nhà tuyển dụng</a:t>
+              <a:rPr lang="x-none" sz="3200" smtClean="0"/>
+              <a:t>Mô hình quản lý thông tin tuyển dụng</a:t>
             </a:r>
             <a:endParaRPr lang="en-US" sz="3200"/>
-          </a:p>
-        </p:txBody>
-      </p:sp>
-      <p:sp>
-        <p:nvSpPr>
-          <p:cNvPr id="3" name="Content Placeholder 2"/>
-          <p:cNvSpPr>
-            <a:spLocks noGrp="1"/>
-          </p:cNvSpPr>
-          <p:nvPr>
-            <p:ph idx="1"/>
-          </p:nvPr>
-        </p:nvSpPr>
-        <p:spPr>
-          <a:xfrm>
-            <a:off x="762000" y="1676400"/>
-            <a:ext cx="7924800" cy="4706112"/>
-          </a:xfrm>
-        </p:spPr>
-        <p:txBody>
-          <a:bodyPr/>
-          <a:lstStyle/>
-          <a:p>
-            <a:r>
-              <a:rPr lang="en-US" smtClean="0"/>
-              <a:t>Đăng ký, đăng nhập</a:t>
-            </a:r>
-          </a:p>
-          <a:p>
-            <a:r>
-              <a:rPr lang="en-US" smtClean="0"/>
-              <a:t>Quản lý tài khoản</a:t>
-            </a:r>
-          </a:p>
-          <a:p>
-            <a:r>
-              <a:rPr lang="en-US" smtClean="0"/>
-              <a:t>Đăng tin tuyển dụng</a:t>
-            </a:r>
-          </a:p>
-          <a:p>
-            <a:r>
-              <a:rPr lang="en-US" smtClean="0"/>
-              <a:t>Tìm kiếm hồ sơ ứng viên</a:t>
-            </a:r>
-          </a:p>
-          <a:p>
-            <a:r>
-              <a:rPr lang="en-US" smtClean="0"/>
-              <a:t>Quản lý tuyển dụng</a:t>
-            </a:r>
-          </a:p>
-          <a:p>
-            <a:pPr lvl="1"/>
-            <a:r>
-              <a:rPr lang="en-US" smtClean="0">
-                <a:solidFill>
-                  <a:schemeClr val="tx1"/>
-                </a:solidFill>
-              </a:rPr>
-              <a:t>Quản lý tin tuyển dụng</a:t>
-            </a:r>
-          </a:p>
-          <a:p>
-            <a:pPr lvl="1"/>
-            <a:r>
-              <a:rPr lang="en-US" smtClean="0">
-                <a:solidFill>
-                  <a:schemeClr val="tx1"/>
-                </a:solidFill>
-              </a:rPr>
-              <a:t>Quản lý hồ sơ ứng viên</a:t>
-            </a:r>
           </a:p>
         </p:txBody>
       </p:sp>
@@ -5042,6 +5601,38 @@
           </a:p>
         </p:txBody>
       </p:sp>
+      <p:pic>
+        <p:nvPicPr>
+          <p:cNvPr id="3074" name="Picture 2" descr="job"/>
+          <p:cNvPicPr>
+            <a:picLocks noChangeAspect="1" noChangeArrowheads="1"/>
+          </p:cNvPicPr>
+          <p:nvPr/>
+        </p:nvPicPr>
+        <p:blipFill>
+          <a:blip r:embed="rId2" cstate="print"/>
+          <a:srcRect/>
+          <a:stretch>
+            <a:fillRect/>
+          </a:stretch>
+        </p:blipFill>
+        <p:spPr bwMode="auto">
+          <a:xfrm>
+            <a:off x="457201" y="1439542"/>
+            <a:ext cx="8305799" cy="5266057"/>
+          </a:xfrm>
+          <a:prstGeom prst="rect">
+            <a:avLst/>
+          </a:prstGeom>
+          <a:noFill/>
+          <a:ln w="9525">
+            <a:noFill/>
+            <a:miter lim="800000"/>
+            <a:headEnd/>
+            <a:tailEnd/>
+          </a:ln>
+        </p:spPr>
+      </p:pic>
     </p:spTree>
   </p:cSld>
   <p:clrMapOvr>
@@ -5098,7 +5689,7 @@
           <a:p>
             <a:r>
               <a:rPr lang="en-US" sz="3200" smtClean="0"/>
-              <a:t>Các chức năng của Admin</a:t>
+              <a:t>Các chức năng của người tìm việc</a:t>
             </a:r>
             <a:endParaRPr lang="en-US" sz="3200"/>
           </a:p>
@@ -5126,18 +5717,31 @@
           <a:p>
             <a:r>
               <a:rPr lang="en-US" smtClean="0"/>
-              <a:t>Quản lý hồ sơ ứng viên</a:t>
-            </a:r>
-          </a:p>
-          <a:p>
-            <a:pPr lvl="1"/>
-            <a:r>
-              <a:rPr lang="en-US" smtClean="0">
-                <a:solidFill>
-                  <a:schemeClr val="tx1"/>
-                </a:solidFill>
-              </a:rPr>
-              <a:t>Xét duyệt hồ sơ</a:t>
+              <a:t>Đăng ký, đăng nhập</a:t>
+            </a:r>
+          </a:p>
+          <a:p>
+            <a:r>
+              <a:rPr lang="en-US" smtClean="0"/>
+              <a:t>Quản lý tài khoản</a:t>
+            </a:r>
+          </a:p>
+          <a:p>
+            <a:r>
+              <a:rPr lang="en-US" smtClean="0"/>
+              <a:t>Tạo hồ sơ cá nhân</a:t>
+            </a:r>
+          </a:p>
+          <a:p>
+            <a:r>
+              <a:rPr lang="en-US" smtClean="0"/>
+              <a:t>Nộp hồ sơ ứng tuyển</a:t>
+            </a:r>
+          </a:p>
+          <a:p>
+            <a:r>
+              <a:rPr lang="en-US" smtClean="0"/>
+              <a:t>Tìm kiếm việc làm</a:t>
             </a:r>
           </a:p>
           <a:p>
@@ -5145,40 +5749,7 @@
               <a:rPr lang="en-US" smtClean="0"/>
               <a:t>Quản lý việc làm</a:t>
             </a:r>
-          </a:p>
-          <a:p>
-            <a:pPr lvl="1"/>
-            <a:r>
-              <a:rPr lang="en-US" smtClean="0">
-                <a:solidFill>
-                  <a:schemeClr val="tx1"/>
-                </a:solidFill>
-              </a:rPr>
-              <a:t>Xét duyệt thông tin tuyển dụng</a:t>
-            </a:r>
-          </a:p>
-          <a:p>
-            <a:pPr lvl="1"/>
-            <a:r>
-              <a:rPr lang="en-US" smtClean="0">
-                <a:solidFill>
-                  <a:schemeClr val="tx1"/>
-                </a:solidFill>
-              </a:rPr>
-              <a:t>Đăng tin tuyển dụng</a:t>
-            </a:r>
-          </a:p>
-          <a:p>
-            <a:r>
-              <a:rPr lang="en-US" smtClean="0"/>
-              <a:t>Quản lý tài khoản</a:t>
-            </a:r>
-          </a:p>
-          <a:p>
-            <a:r>
-              <a:rPr lang="en-US" smtClean="0"/>
-              <a:t>Quản lý danh mục</a:t>
-            </a:r>
+            <a:endParaRPr lang="en-US"/>
           </a:p>
         </p:txBody>
       </p:sp>
@@ -5221,7 +5792,7 @@
 </p:sld>
 </file>
 
-<file path=ppt/slides/slide2.xml><?xml version="1.0" encoding="utf-8"?>
+<file path=ppt/slides/slide12.xml><?xml version="1.0" encoding="utf-8"?>
 <p:sld xmlns:a="http://schemas.openxmlformats.org/drawingml/2006/main" xmlns:r="http://schemas.openxmlformats.org/officeDocument/2006/relationships" xmlns:p="http://schemas.openxmlformats.org/presentationml/2006/main">
   <p:cSld>
     <p:spTree>
@@ -5251,18 +5822,20 @@
         <p:spPr>
           <a:xfrm>
             <a:off x="533400" y="609600"/>
-            <a:ext cx="8229600" cy="1066800"/>
-          </a:xfrm>
-        </p:spPr>
-        <p:txBody>
-          <a:bodyPr/>
-          <a:lstStyle/>
-          <a:p>
-            <a:r>
-              <a:rPr lang="en-US" smtClean="0"/>
-              <a:t>Nội dung</a:t>
-            </a:r>
-            <a:endParaRPr lang="en-US"/>
+            <a:ext cx="8229600" cy="838200"/>
+          </a:xfrm>
+        </p:spPr>
+        <p:txBody>
+          <a:bodyPr>
+            <a:normAutofit/>
+          </a:bodyPr>
+          <a:lstStyle/>
+          <a:p>
+            <a:r>
+              <a:rPr lang="en-US" sz="3200" smtClean="0"/>
+              <a:t>Các chức năng của nhà tuyển dụng</a:t>
+            </a:r>
+            <a:endParaRPr lang="en-US" sz="3200"/>
           </a:p>
         </p:txBody>
       </p:sp>
@@ -5278,8 +5851,8 @@
         </p:nvSpPr>
         <p:spPr>
           <a:xfrm>
-            <a:off x="457200" y="1828800"/>
-            <a:ext cx="8229600" cy="4325112"/>
+            <a:off x="762000" y="1676400"/>
+            <a:ext cx="7924800" cy="4706112"/>
           </a:xfrm>
         </p:spPr>
         <p:txBody>
@@ -5288,39 +5861,221 @@
           <a:p>
             <a:r>
               <a:rPr lang="en-US" smtClean="0"/>
-              <a:t>Giới thiệu</a:t>
-            </a:r>
-          </a:p>
-          <a:p>
-            <a:r>
-              <a:rPr lang="en-US" smtClean="0"/>
-              <a:t>Công nghệ sử dụng</a:t>
-            </a:r>
-            <a:endParaRPr lang="en-US" smtClean="0"/>
-          </a:p>
-          <a:p>
-            <a:r>
-              <a:rPr lang="en-US" smtClean="0"/>
-              <a:t>Cơ sở dữ liệu</a:t>
-            </a:r>
-          </a:p>
-          <a:p>
-            <a:r>
-              <a:rPr lang="en-US" smtClean="0"/>
-              <a:t>Chức năng</a:t>
-            </a:r>
-          </a:p>
-          <a:p>
-            <a:r>
-              <a:rPr lang="en-US" smtClean="0"/>
-              <a:t>Demo</a:t>
-            </a:r>
-          </a:p>
-          <a:p>
+              <a:t>Đăng ký, đăng nhập</a:t>
+            </a:r>
+          </a:p>
+          <a:p>
+            <a:r>
+              <a:rPr lang="en-US" smtClean="0"/>
+              <a:t>Quản lý tài khoản</a:t>
+            </a:r>
+          </a:p>
+          <a:p>
+            <a:r>
+              <a:rPr lang="en-US" smtClean="0"/>
+              <a:t>Đăng tin tuyển dụng</a:t>
+            </a:r>
+          </a:p>
+          <a:p>
+            <a:r>
+              <a:rPr lang="en-US" smtClean="0"/>
+              <a:t>Tìm kiếm hồ sơ ứng viên</a:t>
+            </a:r>
+          </a:p>
+          <a:p>
+            <a:r>
+              <a:rPr lang="en-US" smtClean="0"/>
+              <a:t>Quản lý tuyển dụng</a:t>
+            </a:r>
+          </a:p>
+          <a:p>
+            <a:pPr lvl="1"/>
+            <a:r>
+              <a:rPr lang="en-US" smtClean="0">
+                <a:solidFill>
+                  <a:schemeClr val="tx1"/>
+                </a:solidFill>
+              </a:rPr>
+              <a:t>Quản lý tin tuyển dụng</a:t>
+            </a:r>
+          </a:p>
+          <a:p>
+            <a:pPr lvl="1"/>
+            <a:r>
+              <a:rPr lang="en-US" smtClean="0">
+                <a:solidFill>
+                  <a:schemeClr val="tx1"/>
+                </a:solidFill>
+              </a:rPr>
+              <a:t>Quản lý hồ sơ ứng viên</a:t>
+            </a:r>
+          </a:p>
+        </p:txBody>
+      </p:sp>
+      <p:sp>
+        <p:nvSpPr>
+          <p:cNvPr id="4" name="Slide Number Placeholder 3"/>
+          <p:cNvSpPr>
+            <a:spLocks noGrp="1"/>
+          </p:cNvSpPr>
+          <p:nvPr>
+            <p:ph type="sldNum" sz="quarter" idx="12"/>
+          </p:nvPr>
+        </p:nvSpPr>
+        <p:spPr/>
+        <p:txBody>
+          <a:bodyPr/>
+          <a:lstStyle/>
+          <a:p>
+            <a:fld id="{55DCFED0-25EB-4905-9896-16F86F169D23}" type="slidenum">
+              <a:rPr lang="en-US" smtClean="0"/>
+              <a:pPr/>
+              <a:t>12</a:t>
+            </a:fld>
             <a:endParaRPr lang="en-US"/>
           </a:p>
         </p:txBody>
       </p:sp>
+    </p:spTree>
+  </p:cSld>
+  <p:clrMapOvr>
+    <a:masterClrMapping/>
+  </p:clrMapOvr>
+  <p:timing>
+    <p:tnLst>
+      <p:par>
+        <p:cTn id="1" dur="indefinite" restart="never" nodeType="tmRoot"/>
+      </p:par>
+    </p:tnLst>
+  </p:timing>
+</p:sld>
+</file>
+
+<file path=ppt/slides/slide13.xml><?xml version="1.0" encoding="utf-8"?>
+<p:sld xmlns:a="http://schemas.openxmlformats.org/drawingml/2006/main" xmlns:r="http://schemas.openxmlformats.org/officeDocument/2006/relationships" xmlns:p="http://schemas.openxmlformats.org/presentationml/2006/main">
+  <p:cSld>
+    <p:spTree>
+      <p:nvGrpSpPr>
+        <p:cNvPr id="1" name=""/>
+        <p:cNvGrpSpPr/>
+        <p:nvPr/>
+      </p:nvGrpSpPr>
+      <p:grpSpPr>
+        <a:xfrm>
+          <a:off x="0" y="0"/>
+          <a:ext cx="0" cy="0"/>
+          <a:chOff x="0" y="0"/>
+          <a:chExt cx="0" cy="0"/>
+        </a:xfrm>
+      </p:grpSpPr>
+      <p:sp>
+        <p:nvSpPr>
+          <p:cNvPr id="2" name="Title 1"/>
+          <p:cNvSpPr>
+            <a:spLocks noGrp="1"/>
+          </p:cNvSpPr>
+          <p:nvPr>
+            <p:ph type="title"/>
+          </p:nvPr>
+        </p:nvSpPr>
+        <p:spPr>
+          <a:xfrm>
+            <a:off x="533400" y="609600"/>
+            <a:ext cx="8229600" cy="838200"/>
+          </a:xfrm>
+        </p:spPr>
+        <p:txBody>
+          <a:bodyPr>
+            <a:normAutofit/>
+          </a:bodyPr>
+          <a:lstStyle/>
+          <a:p>
+            <a:r>
+              <a:rPr lang="en-US" sz="3200" smtClean="0"/>
+              <a:t>Các chức năng của Admin</a:t>
+            </a:r>
+            <a:endParaRPr lang="en-US" sz="3200"/>
+          </a:p>
+        </p:txBody>
+      </p:sp>
+      <p:sp>
+        <p:nvSpPr>
+          <p:cNvPr id="3" name="Content Placeholder 2"/>
+          <p:cNvSpPr>
+            <a:spLocks noGrp="1"/>
+          </p:cNvSpPr>
+          <p:nvPr>
+            <p:ph idx="1"/>
+          </p:nvPr>
+        </p:nvSpPr>
+        <p:spPr>
+          <a:xfrm>
+            <a:off x="762000" y="1676400"/>
+            <a:ext cx="7924800" cy="4706112"/>
+          </a:xfrm>
+        </p:spPr>
+        <p:txBody>
+          <a:bodyPr/>
+          <a:lstStyle/>
+          <a:p>
+            <a:r>
+              <a:rPr lang="en-US" smtClean="0"/>
+              <a:t>Quản lý hồ sơ ứng viên</a:t>
+            </a:r>
+          </a:p>
+          <a:p>
+            <a:pPr lvl="1"/>
+            <a:r>
+              <a:rPr lang="en-US" smtClean="0">
+                <a:solidFill>
+                  <a:schemeClr val="tx1"/>
+                </a:solidFill>
+              </a:rPr>
+              <a:t>Xét duyệt hồ sơ</a:t>
+            </a:r>
+          </a:p>
+          <a:p>
+            <a:r>
+              <a:rPr lang="en-US" smtClean="0"/>
+              <a:t>Quản lý việc làm</a:t>
+            </a:r>
+          </a:p>
+          <a:p>
+            <a:pPr lvl="1"/>
+            <a:r>
+              <a:rPr lang="en-US" smtClean="0">
+                <a:solidFill>
+                  <a:schemeClr val="tx1"/>
+                </a:solidFill>
+              </a:rPr>
+              <a:t>Xét duyệt thông tin tuyển dụng</a:t>
+            </a:r>
+          </a:p>
+          <a:p>
+            <a:pPr lvl="1"/>
+            <a:r>
+              <a:rPr lang="en-US" smtClean="0">
+                <a:solidFill>
+                  <a:schemeClr val="tx1"/>
+                </a:solidFill>
+              </a:rPr>
+              <a:t>Đăng tin tuyển dụng</a:t>
+            </a:r>
+          </a:p>
+          <a:p>
+            <a:r>
+              <a:rPr lang="en-US" smtClean="0"/>
+              <a:t>Quản lý tài khoản</a:t>
+            </a:r>
+          </a:p>
+          <a:p>
+            <a:r>
+              <a:rPr lang="en-US" smtClean="0"/>
+              <a:t>Quản lý danh mục</a:t>
+            </a:r>
+          </a:p>
+        </p:txBody>
+      </p:sp>
       <p:sp>
         <p:nvSpPr>
           <p:cNvPr id="4" name="Slide Number Placeholder 3"/>
@@ -5339,7 +6094,363 @@
             <a:fld id="{55DCFED0-25EB-4905-9896-16F86F169D23}" type="slidenum">
               <a:rPr lang="en-US" smtClean="0"/>
               <a:pPr/>
-              <a:t>2</a:t>
+              <a:t>13</a:t>
+            </a:fld>
+            <a:endParaRPr lang="en-US"/>
+          </a:p>
+        </p:txBody>
+      </p:sp>
+    </p:spTree>
+  </p:cSld>
+  <p:clrMapOvr>
+    <a:masterClrMapping/>
+  </p:clrMapOvr>
+  <p:timing>
+    <p:tnLst>
+      <p:par>
+        <p:cTn id="1" dur="indefinite" restart="never" nodeType="tmRoot"/>
+      </p:par>
+    </p:tnLst>
+  </p:timing>
+</p:sld>
+</file>
+
+<file path=ppt/slides/slide14.xml><?xml version="1.0" encoding="utf-8"?>
+<p:sld xmlns:a="http://schemas.openxmlformats.org/drawingml/2006/main" xmlns:r="http://schemas.openxmlformats.org/officeDocument/2006/relationships" xmlns:p="http://schemas.openxmlformats.org/presentationml/2006/main">
+  <p:cSld>
+    <p:spTree>
+      <p:nvGrpSpPr>
+        <p:cNvPr id="1" name=""/>
+        <p:cNvGrpSpPr/>
+        <p:nvPr/>
+      </p:nvGrpSpPr>
+      <p:grpSpPr>
+        <a:xfrm>
+          <a:off x="0" y="0"/>
+          <a:ext cx="0" cy="0"/>
+          <a:chOff x="0" y="0"/>
+          <a:chExt cx="0" cy="0"/>
+        </a:xfrm>
+      </p:grpSpPr>
+      <p:sp>
+        <p:nvSpPr>
+          <p:cNvPr id="2" name="Title 1"/>
+          <p:cNvSpPr>
+            <a:spLocks noGrp="1"/>
+          </p:cNvSpPr>
+          <p:nvPr>
+            <p:ph type="title"/>
+          </p:nvPr>
+        </p:nvSpPr>
+        <p:spPr>
+          <a:xfrm>
+            <a:off x="533400" y="685800"/>
+            <a:ext cx="8229600" cy="1066800"/>
+          </a:xfrm>
+        </p:spPr>
+        <p:txBody>
+          <a:bodyPr/>
+          <a:lstStyle/>
+          <a:p>
+            <a:r>
+              <a:rPr lang="en-US" dirty="0" err="1" smtClean="0"/>
+              <a:t>Kết</a:t>
+            </a:r>
+            <a:r>
+              <a:rPr lang="en-US" dirty="0" smtClean="0"/>
+              <a:t> </a:t>
+            </a:r>
+            <a:r>
+              <a:rPr lang="en-US" dirty="0" err="1" smtClean="0"/>
+              <a:t>quả</a:t>
+            </a:r>
+            <a:r>
+              <a:rPr lang="en-US" dirty="0" smtClean="0"/>
+              <a:t> </a:t>
+            </a:r>
+            <a:r>
+              <a:rPr lang="en-US" dirty="0" err="1" smtClean="0"/>
+              <a:t>đạt</a:t>
+            </a:r>
+            <a:r>
+              <a:rPr lang="en-US" dirty="0" smtClean="0"/>
+              <a:t> </a:t>
+            </a:r>
+            <a:r>
+              <a:rPr lang="en-US" dirty="0" err="1" smtClean="0"/>
+              <a:t>được</a:t>
+            </a:r>
+            <a:endParaRPr lang="en-US" dirty="0"/>
+          </a:p>
+        </p:txBody>
+      </p:sp>
+      <p:sp>
+        <p:nvSpPr>
+          <p:cNvPr id="3" name="Content Placeholder 2"/>
+          <p:cNvSpPr>
+            <a:spLocks noGrp="1"/>
+          </p:cNvSpPr>
+          <p:nvPr>
+            <p:ph idx="1"/>
+          </p:nvPr>
+        </p:nvSpPr>
+        <p:spPr>
+          <a:xfrm>
+            <a:off x="457200" y="1676400"/>
+            <a:ext cx="8229600" cy="4629912"/>
+          </a:xfrm>
+        </p:spPr>
+        <p:txBody>
+          <a:bodyPr/>
+          <a:lstStyle/>
+          <a:p>
+            <a:r>
+              <a:rPr lang="en-US" dirty="0" err="1" smtClean="0"/>
+              <a:t>Về</a:t>
+            </a:r>
+            <a:r>
+              <a:rPr lang="en-US" dirty="0" smtClean="0"/>
+              <a:t> </a:t>
+            </a:r>
+            <a:r>
+              <a:rPr lang="en-US" dirty="0" err="1" smtClean="0"/>
+              <a:t>mặt</a:t>
+            </a:r>
+            <a:r>
+              <a:rPr lang="en-US" dirty="0" smtClean="0"/>
+              <a:t> </a:t>
+            </a:r>
+            <a:r>
+              <a:rPr lang="en-US" dirty="0" err="1" smtClean="0"/>
+              <a:t>ứng</a:t>
+            </a:r>
+            <a:r>
+              <a:rPr lang="en-US" dirty="0" smtClean="0"/>
+              <a:t> </a:t>
+            </a:r>
+            <a:r>
+              <a:rPr lang="en-US" dirty="0" err="1" smtClean="0"/>
+              <a:t>dụng</a:t>
+            </a:r>
+            <a:endParaRPr lang="en-US" dirty="0" smtClean="0"/>
+          </a:p>
+          <a:p>
+            <a:r>
+              <a:rPr lang="en-US" dirty="0" err="1" smtClean="0"/>
+              <a:t>Mặt</a:t>
+            </a:r>
+            <a:r>
+              <a:rPr lang="en-US" dirty="0" smtClean="0"/>
+              <a:t> </a:t>
+            </a:r>
+            <a:r>
+              <a:rPr lang="en-US" dirty="0" err="1" smtClean="0"/>
+              <a:t>công</a:t>
+            </a:r>
+            <a:r>
+              <a:rPr lang="en-US" dirty="0" smtClean="0"/>
+              <a:t> </a:t>
+            </a:r>
+            <a:r>
+              <a:rPr lang="en-US" dirty="0" err="1" smtClean="0"/>
+              <a:t>nghệ</a:t>
+            </a:r>
+            <a:endParaRPr lang="en-US" dirty="0" smtClean="0"/>
+          </a:p>
+          <a:p>
+            <a:pPr lvl="1"/>
+            <a:r>
+              <a:rPr lang="en-US" dirty="0" smtClean="0"/>
+              <a:t>MVC</a:t>
+            </a:r>
+          </a:p>
+          <a:p>
+            <a:pPr lvl="1"/>
+            <a:r>
+              <a:rPr lang="en-US" dirty="0" err="1" smtClean="0"/>
+              <a:t>Tầm</a:t>
+            </a:r>
+            <a:r>
+              <a:rPr lang="en-US" dirty="0" smtClean="0"/>
+              <a:t> </a:t>
+            </a:r>
+            <a:r>
+              <a:rPr lang="en-US" dirty="0" err="1" smtClean="0"/>
+              <a:t>quan</a:t>
+            </a:r>
+            <a:r>
+              <a:rPr lang="en-US" dirty="0" smtClean="0"/>
+              <a:t> </a:t>
+            </a:r>
+            <a:r>
+              <a:rPr lang="en-US" dirty="0" err="1" smtClean="0"/>
+              <a:t>trọng</a:t>
+            </a:r>
+            <a:r>
+              <a:rPr lang="en-US" dirty="0" smtClean="0"/>
+              <a:t> </a:t>
+            </a:r>
+            <a:r>
+              <a:rPr lang="en-US" dirty="0" err="1" smtClean="0"/>
+              <a:t>mã</a:t>
+            </a:r>
+            <a:r>
+              <a:rPr lang="en-US" dirty="0" smtClean="0"/>
+              <a:t> </a:t>
+            </a:r>
+            <a:r>
+              <a:rPr lang="en-US" dirty="0" err="1" smtClean="0"/>
+              <a:t>nguồn</a:t>
+            </a:r>
+            <a:r>
+              <a:rPr lang="en-US" dirty="0" smtClean="0"/>
+              <a:t> </a:t>
+            </a:r>
+            <a:r>
+              <a:rPr lang="en-US" dirty="0" err="1" smtClean="0"/>
+              <a:t>mở</a:t>
+            </a:r>
+            <a:endParaRPr lang="en-US" dirty="0" smtClean="0"/>
+          </a:p>
+          <a:p>
+            <a:pPr lvl="1"/>
+            <a:r>
+              <a:rPr lang="en-US" dirty="0" smtClean="0"/>
+              <a:t>PHP, MySQL</a:t>
+            </a:r>
+          </a:p>
+          <a:p>
+            <a:r>
+              <a:rPr lang="en-US" dirty="0" err="1" smtClean="0"/>
+              <a:t>Kỹ</a:t>
+            </a:r>
+            <a:r>
+              <a:rPr lang="en-US" dirty="0" smtClean="0"/>
+              <a:t> </a:t>
+            </a:r>
+            <a:r>
+              <a:rPr lang="en-US" dirty="0" err="1" smtClean="0"/>
+              <a:t>năng</a:t>
+            </a:r>
+            <a:endParaRPr lang="en-US" dirty="0" smtClean="0"/>
+          </a:p>
+          <a:p>
+            <a:pPr lvl="1"/>
+            <a:r>
+              <a:rPr lang="en-US" dirty="0" err="1" smtClean="0"/>
+              <a:t>Kỹ</a:t>
+            </a:r>
+            <a:r>
+              <a:rPr lang="en-US" dirty="0" smtClean="0"/>
+              <a:t> </a:t>
+            </a:r>
+            <a:r>
+              <a:rPr lang="en-US" dirty="0" err="1" smtClean="0"/>
+              <a:t>năng</a:t>
+            </a:r>
+            <a:r>
+              <a:rPr lang="en-US" dirty="0" smtClean="0"/>
+              <a:t> </a:t>
+            </a:r>
+            <a:r>
+              <a:rPr lang="en-US" dirty="0" err="1" smtClean="0"/>
+              <a:t>nghiên</a:t>
+            </a:r>
+            <a:r>
+              <a:rPr lang="en-US" dirty="0" smtClean="0"/>
+              <a:t> </a:t>
+            </a:r>
+            <a:r>
+              <a:rPr lang="en-US" dirty="0" err="1" smtClean="0"/>
+              <a:t>cứu</a:t>
+            </a:r>
+            <a:r>
+              <a:rPr lang="en-US" dirty="0" smtClean="0"/>
+              <a:t>, </a:t>
+            </a:r>
+            <a:r>
+              <a:rPr lang="en-US" dirty="0" err="1" smtClean="0"/>
+              <a:t>phân</a:t>
+            </a:r>
+            <a:r>
+              <a:rPr lang="en-US" dirty="0" smtClean="0"/>
+              <a:t> chia </a:t>
+            </a:r>
+            <a:r>
+              <a:rPr lang="en-US" dirty="0" err="1" smtClean="0"/>
+              <a:t>thời</a:t>
+            </a:r>
+            <a:r>
+              <a:rPr lang="en-US" dirty="0" smtClean="0"/>
+              <a:t> </a:t>
+            </a:r>
+            <a:r>
+              <a:rPr lang="en-US" dirty="0" err="1" smtClean="0"/>
+              <a:t>gian</a:t>
+            </a:r>
+            <a:endParaRPr lang="en-US" dirty="0" smtClean="0"/>
+          </a:p>
+          <a:p>
+            <a:pPr lvl="1"/>
+            <a:r>
+              <a:rPr lang="en-US" dirty="0" err="1" smtClean="0"/>
+              <a:t>Kỹ</a:t>
+            </a:r>
+            <a:r>
+              <a:rPr lang="en-US" dirty="0" smtClean="0"/>
+              <a:t> </a:t>
+            </a:r>
+            <a:r>
+              <a:rPr lang="en-US" dirty="0" err="1" smtClean="0"/>
+              <a:t>năng</a:t>
+            </a:r>
+            <a:r>
+              <a:rPr lang="en-US" dirty="0" smtClean="0"/>
+              <a:t> </a:t>
+            </a:r>
+            <a:r>
+              <a:rPr lang="en-US" dirty="0" err="1" smtClean="0"/>
+              <a:t>làm</a:t>
+            </a:r>
+            <a:r>
+              <a:rPr lang="en-US" dirty="0" smtClean="0"/>
+              <a:t> </a:t>
+            </a:r>
+            <a:r>
+              <a:rPr lang="en-US" dirty="0" err="1" smtClean="0"/>
+              <a:t>việc</a:t>
+            </a:r>
+            <a:r>
+              <a:rPr lang="en-US" dirty="0" smtClean="0"/>
+              <a:t> </a:t>
+            </a:r>
+            <a:r>
+              <a:rPr lang="en-US" dirty="0" err="1" smtClean="0"/>
+              <a:t>nhóm</a:t>
+            </a:r>
+            <a:endParaRPr lang="en-US" dirty="0"/>
+          </a:p>
+        </p:txBody>
+      </p:sp>
+      <p:sp>
+        <p:nvSpPr>
+          <p:cNvPr id="4" name="Slide Number Placeholder 3"/>
+          <p:cNvSpPr>
+            <a:spLocks noGrp="1"/>
+          </p:cNvSpPr>
+          <p:nvPr>
+            <p:ph type="sldNum" sz="quarter" idx="12"/>
+          </p:nvPr>
+        </p:nvSpPr>
+        <p:spPr/>
+        <p:txBody>
+          <a:bodyPr/>
+          <a:lstStyle/>
+          <a:p>
+            <a:fld id="{55DCFED0-25EB-4905-9896-16F86F169D23}" type="slidenum">
+              <a:rPr lang="en-US" smtClean="0"/>
+              <a:pPr/>
+              <a:t>14</a:t>
             </a:fld>
             <a:endParaRPr lang="en-US"/>
           </a:p>
@@ -5348,13 +6459,342 @@
     </p:spTree>
     <p:extLst>
       <p:ext uri="{BB962C8B-B14F-4D97-AF65-F5344CB8AC3E}">
-        <p14:creationId xmlns:p14="http://schemas.microsoft.com/office/powerpoint/2010/main" xmlns="" val="4249870940"/>
+        <p14:creationId xmlns:p14="http://schemas.microsoft.com/office/powerpoint/2010/main" val="450709605"/>
       </p:ext>
     </p:extLst>
   </p:cSld>
   <p:clrMapOvr>
     <a:masterClrMapping/>
   </p:clrMapOvr>
+</p:sld>
+</file>
+
+<file path=ppt/slides/slide15.xml><?xml version="1.0" encoding="utf-8"?>
+<p:sld xmlns:a="http://schemas.openxmlformats.org/drawingml/2006/main" xmlns:r="http://schemas.openxmlformats.org/officeDocument/2006/relationships" xmlns:p="http://schemas.openxmlformats.org/presentationml/2006/main">
+  <p:cSld>
+    <p:spTree>
+      <p:nvGrpSpPr>
+        <p:cNvPr id="1" name=""/>
+        <p:cNvGrpSpPr/>
+        <p:nvPr/>
+      </p:nvGrpSpPr>
+      <p:grpSpPr>
+        <a:xfrm>
+          <a:off x="0" y="0"/>
+          <a:ext cx="0" cy="0"/>
+          <a:chOff x="0" y="0"/>
+          <a:chExt cx="0" cy="0"/>
+        </a:xfrm>
+      </p:grpSpPr>
+      <p:sp>
+        <p:nvSpPr>
+          <p:cNvPr id="2" name="Title 1"/>
+          <p:cNvSpPr>
+            <a:spLocks noGrp="1"/>
+          </p:cNvSpPr>
+          <p:nvPr>
+            <p:ph type="title"/>
+          </p:nvPr>
+        </p:nvSpPr>
+        <p:spPr/>
+        <p:txBody>
+          <a:bodyPr/>
+          <a:lstStyle/>
+          <a:p>
+            <a:pPr algn="ctr"/>
+            <a:r>
+              <a:rPr lang="en-US" dirty="0" smtClean="0"/>
+              <a:t>DEMO</a:t>
+            </a:r>
+            <a:endParaRPr lang="en-US" dirty="0"/>
+          </a:p>
+        </p:txBody>
+      </p:sp>
+      <p:sp>
+        <p:nvSpPr>
+          <p:cNvPr id="3" name="Content Placeholder 2"/>
+          <p:cNvSpPr>
+            <a:spLocks noGrp="1"/>
+          </p:cNvSpPr>
+          <p:nvPr>
+            <p:ph idx="1"/>
+          </p:nvPr>
+        </p:nvSpPr>
+        <p:spPr/>
+        <p:txBody>
+          <a:bodyPr/>
+          <a:lstStyle/>
+          <a:p>
+            <a:endParaRPr lang="en-US" dirty="0"/>
+          </a:p>
+        </p:txBody>
+      </p:sp>
+      <p:sp>
+        <p:nvSpPr>
+          <p:cNvPr id="4" name="Slide Number Placeholder 3"/>
+          <p:cNvSpPr>
+            <a:spLocks noGrp="1"/>
+          </p:cNvSpPr>
+          <p:nvPr>
+            <p:ph type="sldNum" sz="quarter" idx="12"/>
+          </p:nvPr>
+        </p:nvSpPr>
+        <p:spPr/>
+        <p:txBody>
+          <a:bodyPr/>
+          <a:lstStyle/>
+          <a:p>
+            <a:fld id="{55DCFED0-25EB-4905-9896-16F86F169D23}" type="slidenum">
+              <a:rPr lang="en-US" smtClean="0"/>
+              <a:pPr/>
+              <a:t>15</a:t>
+            </a:fld>
+            <a:endParaRPr lang="en-US"/>
+          </a:p>
+        </p:txBody>
+      </p:sp>
+    </p:spTree>
+    <p:extLst>
+      <p:ext uri="{BB962C8B-B14F-4D97-AF65-F5344CB8AC3E}">
+        <p14:creationId xmlns:p14="http://schemas.microsoft.com/office/powerpoint/2010/main" val="2573755256"/>
+      </p:ext>
+    </p:extLst>
+  </p:cSld>
+  <p:clrMapOvr>
+    <a:masterClrMapping/>
+  </p:clrMapOvr>
+</p:sld>
+</file>
+
+<file path=ppt/slides/slide2.xml><?xml version="1.0" encoding="utf-8"?>
+<p:sld xmlns:a="http://schemas.openxmlformats.org/drawingml/2006/main" xmlns:r="http://schemas.openxmlformats.org/officeDocument/2006/relationships" xmlns:p="http://schemas.openxmlformats.org/presentationml/2006/main" show="0">
+  <p:cSld>
+    <p:spTree>
+      <p:nvGrpSpPr>
+        <p:cNvPr id="1" name=""/>
+        <p:cNvGrpSpPr/>
+        <p:nvPr/>
+      </p:nvGrpSpPr>
+      <p:grpSpPr>
+        <a:xfrm>
+          <a:off x="0" y="0"/>
+          <a:ext cx="0" cy="0"/>
+          <a:chOff x="0" y="0"/>
+          <a:chExt cx="0" cy="0"/>
+        </a:xfrm>
+      </p:grpSpPr>
+      <p:sp>
+        <p:nvSpPr>
+          <p:cNvPr id="2" name="Title 1"/>
+          <p:cNvSpPr>
+            <a:spLocks noGrp="1"/>
+          </p:cNvSpPr>
+          <p:nvPr>
+            <p:ph type="title"/>
+          </p:nvPr>
+        </p:nvSpPr>
+        <p:spPr>
+          <a:xfrm>
+            <a:off x="533400" y="609600"/>
+            <a:ext cx="8229600" cy="1066800"/>
+          </a:xfrm>
+        </p:spPr>
+        <p:txBody>
+          <a:bodyPr/>
+          <a:lstStyle/>
+          <a:p>
+            <a:r>
+              <a:rPr lang="en-US" smtClean="0"/>
+              <a:t>Nội dung</a:t>
+            </a:r>
+            <a:endParaRPr lang="en-US"/>
+          </a:p>
+        </p:txBody>
+      </p:sp>
+      <p:sp>
+        <p:nvSpPr>
+          <p:cNvPr id="3" name="Content Placeholder 2"/>
+          <p:cNvSpPr>
+            <a:spLocks noGrp="1"/>
+          </p:cNvSpPr>
+          <p:nvPr>
+            <p:ph idx="1"/>
+          </p:nvPr>
+        </p:nvSpPr>
+        <p:spPr>
+          <a:xfrm>
+            <a:off x="457200" y="1828800"/>
+            <a:ext cx="8229600" cy="4325112"/>
+          </a:xfrm>
+        </p:spPr>
+        <p:txBody>
+          <a:bodyPr/>
+          <a:lstStyle/>
+          <a:p>
+            <a:r>
+              <a:rPr lang="en-US" dirty="0" err="1" smtClean="0"/>
+              <a:t>Giới</a:t>
+            </a:r>
+            <a:r>
+              <a:rPr lang="en-US" dirty="0" smtClean="0"/>
+              <a:t> </a:t>
+            </a:r>
+            <a:r>
+              <a:rPr lang="en-US" dirty="0" err="1" smtClean="0"/>
+              <a:t>thiệu</a:t>
+            </a:r>
+            <a:r>
+              <a:rPr lang="en-US" dirty="0" smtClean="0"/>
+              <a:t> </a:t>
+            </a:r>
+            <a:r>
+              <a:rPr lang="en-US" dirty="0" err="1" smtClean="0"/>
+              <a:t>đề</a:t>
+            </a:r>
+            <a:r>
+              <a:rPr lang="en-US" dirty="0" smtClean="0"/>
+              <a:t> </a:t>
+            </a:r>
+            <a:r>
+              <a:rPr lang="en-US" dirty="0" err="1" smtClean="0"/>
+              <a:t>tài</a:t>
+            </a:r>
+            <a:endParaRPr lang="en-US" dirty="0" smtClean="0"/>
+          </a:p>
+          <a:p>
+            <a:r>
+              <a:rPr lang="en-US" dirty="0" err="1" smtClean="0"/>
+              <a:t>Công</a:t>
+            </a:r>
+            <a:r>
+              <a:rPr lang="en-US" dirty="0" smtClean="0"/>
+              <a:t> </a:t>
+            </a:r>
+            <a:r>
+              <a:rPr lang="en-US" dirty="0" err="1" smtClean="0"/>
+              <a:t>nghệ</a:t>
+            </a:r>
+            <a:r>
+              <a:rPr lang="en-US" dirty="0" smtClean="0"/>
+              <a:t> </a:t>
+            </a:r>
+            <a:r>
+              <a:rPr lang="en-US" dirty="0" err="1" smtClean="0"/>
+              <a:t>sử</a:t>
+            </a:r>
+            <a:r>
+              <a:rPr lang="en-US" dirty="0" smtClean="0"/>
+              <a:t> </a:t>
+            </a:r>
+            <a:r>
+              <a:rPr lang="en-US" dirty="0" err="1" smtClean="0"/>
+              <a:t>dụng</a:t>
+            </a:r>
+            <a:endParaRPr lang="en-US" dirty="0" smtClean="0"/>
+          </a:p>
+          <a:p>
+            <a:r>
+              <a:rPr lang="en-US" dirty="0" err="1" smtClean="0"/>
+              <a:t>Cơ</a:t>
+            </a:r>
+            <a:r>
+              <a:rPr lang="en-US" dirty="0" smtClean="0"/>
+              <a:t> </a:t>
+            </a:r>
+            <a:r>
+              <a:rPr lang="en-US" dirty="0" err="1" smtClean="0"/>
+              <a:t>sở</a:t>
+            </a:r>
+            <a:r>
+              <a:rPr lang="en-US" dirty="0" smtClean="0"/>
+              <a:t> </a:t>
+            </a:r>
+            <a:r>
+              <a:rPr lang="en-US" dirty="0" err="1" smtClean="0"/>
+              <a:t>dữ</a:t>
+            </a:r>
+            <a:r>
+              <a:rPr lang="en-US" dirty="0" smtClean="0"/>
+              <a:t> </a:t>
+            </a:r>
+            <a:r>
+              <a:rPr lang="en-US" dirty="0" err="1" smtClean="0"/>
+              <a:t>liệu</a:t>
+            </a:r>
+            <a:endParaRPr lang="en-US" dirty="0" smtClean="0"/>
+          </a:p>
+          <a:p>
+            <a:r>
+              <a:rPr lang="en-US" dirty="0" err="1" smtClean="0"/>
+              <a:t>Chức</a:t>
+            </a:r>
+            <a:r>
+              <a:rPr lang="en-US" dirty="0" smtClean="0"/>
+              <a:t> </a:t>
+            </a:r>
+            <a:r>
+              <a:rPr lang="en-US" dirty="0" err="1" smtClean="0"/>
+              <a:t>năng</a:t>
+            </a:r>
+            <a:r>
+              <a:rPr lang="en-US" dirty="0" smtClean="0"/>
+              <a:t> </a:t>
+            </a:r>
+            <a:endParaRPr lang="en-US" dirty="0" smtClean="0"/>
+          </a:p>
+          <a:p>
+            <a:r>
+              <a:rPr lang="en-US" dirty="0" smtClean="0"/>
+              <a:t>Demo</a:t>
+            </a:r>
+          </a:p>
+          <a:p>
+            <a:endParaRPr lang="en-US" dirty="0"/>
+          </a:p>
+        </p:txBody>
+      </p:sp>
+      <p:sp>
+        <p:nvSpPr>
+          <p:cNvPr id="4" name="Slide Number Placeholder 3"/>
+          <p:cNvSpPr>
+            <a:spLocks noGrp="1"/>
+          </p:cNvSpPr>
+          <p:nvPr>
+            <p:ph type="sldNum" sz="quarter" idx="12"/>
+          </p:nvPr>
+        </p:nvSpPr>
+        <p:spPr/>
+        <p:txBody>
+          <a:bodyPr/>
+          <a:lstStyle/>
+          <a:p>
+            <a:fld id="{55DCFED0-25EB-4905-9896-16F86F169D23}" type="slidenum">
+              <a:rPr lang="en-US" smtClean="0"/>
+              <a:pPr/>
+              <a:t>2</a:t>
+            </a:fld>
+            <a:endParaRPr lang="en-US"/>
+          </a:p>
+        </p:txBody>
+      </p:sp>
+    </p:spTree>
+    <p:extLst>
+      <p:ext uri="{BB962C8B-B14F-4D97-AF65-F5344CB8AC3E}">
+        <p14:creationId xmlns:p14="http://schemas.microsoft.com/office/powerpoint/2010/main" val="4249870940"/>
+      </p:ext>
+    </p:extLst>
+  </p:cSld>
+  <p:clrMapOvr>
+    <a:masterClrMapping/>
+  </p:clrMapOvr>
+  <mc:AlternateContent xmlns:mc="http://schemas.openxmlformats.org/markup-compatibility/2006">
+    <mc:Choice xmlns:p14="http://schemas.microsoft.com/office/powerpoint/2010/main" Requires="p14">
+      <p:transition spd="slow" p14:dur="2000"/>
+    </mc:Choice>
+    <mc:Fallback>
+      <p:transition spd="slow"/>
+    </mc:Fallback>
+  </mc:AlternateContent>
   <p:timing>
     <p:tnLst>
       <p:par>
@@ -5423,7 +6863,7 @@
         <p:spPr>
           <a:xfrm>
             <a:off x="457200" y="1752600"/>
-            <a:ext cx="8229600" cy="4325112"/>
+            <a:ext cx="8382000" cy="4325112"/>
           </a:xfrm>
         </p:spPr>
         <p:txBody>
@@ -5431,20 +6871,310 @@
           <a:lstStyle/>
           <a:p>
             <a:r>
-              <a:rPr lang="en-US" smtClean="0"/>
-              <a:t>Nghiên cứu CakePHP </a:t>
-            </a:r>
-            <a:r>
-              <a:rPr lang="en-US" smtClean="0"/>
-              <a:t>framework </a:t>
-            </a:r>
-            <a:endParaRPr lang="en-US" smtClean="0"/>
-          </a:p>
-          <a:p>
-            <a:r>
-              <a:rPr lang="en-US" smtClean="0"/>
-              <a:t>Xây dựng trang web tuyển dụng và tìm việc làm</a:t>
-            </a:r>
+              <a:rPr lang="en-US" dirty="0" err="1" smtClean="0"/>
+              <a:t>Nghiên</a:t>
+            </a:r>
+            <a:r>
+              <a:rPr lang="en-US" dirty="0" smtClean="0"/>
+              <a:t> </a:t>
+            </a:r>
+            <a:r>
+              <a:rPr lang="en-US" dirty="0" err="1" smtClean="0"/>
+              <a:t>cứu</a:t>
+            </a:r>
+            <a:r>
+              <a:rPr lang="en-US" dirty="0" smtClean="0"/>
+              <a:t> </a:t>
+            </a:r>
+            <a:r>
+              <a:rPr lang="en-US" dirty="0" err="1" smtClean="0"/>
+              <a:t>và</a:t>
+            </a:r>
+            <a:r>
+              <a:rPr lang="en-US" dirty="0" smtClean="0"/>
+              <a:t> </a:t>
+            </a:r>
+            <a:r>
+              <a:rPr lang="en-US" dirty="0" err="1" smtClean="0"/>
+              <a:t>phát</a:t>
+            </a:r>
+            <a:r>
+              <a:rPr lang="en-US" dirty="0" smtClean="0"/>
+              <a:t> </a:t>
+            </a:r>
+            <a:r>
+              <a:rPr lang="en-US" dirty="0" err="1" smtClean="0"/>
+              <a:t>triển</a:t>
+            </a:r>
+            <a:r>
+              <a:rPr lang="en-US" dirty="0" smtClean="0"/>
+              <a:t> </a:t>
+            </a:r>
+            <a:r>
+              <a:rPr lang="en-US" dirty="0" err="1" smtClean="0"/>
+              <a:t>ứng</a:t>
+            </a:r>
+            <a:r>
+              <a:rPr lang="en-US" dirty="0" smtClean="0"/>
+              <a:t> </a:t>
+            </a:r>
+            <a:r>
+              <a:rPr lang="en-US" dirty="0" err="1" smtClean="0"/>
+              <a:t>dụng</a:t>
+            </a:r>
+            <a:r>
+              <a:rPr lang="en-US" dirty="0" smtClean="0"/>
+              <a:t> web </a:t>
+            </a:r>
+            <a:r>
+              <a:rPr lang="en-US" dirty="0" err="1" smtClean="0"/>
+              <a:t>trên</a:t>
+            </a:r>
+            <a:r>
+              <a:rPr lang="en-US" dirty="0" smtClean="0"/>
+              <a:t> </a:t>
+            </a:r>
+            <a:r>
+              <a:rPr lang="en-US" dirty="0" err="1" smtClean="0"/>
+              <a:t>môi</a:t>
+            </a:r>
+            <a:r>
+              <a:rPr lang="en-US" dirty="0" smtClean="0"/>
+              <a:t> </a:t>
+            </a:r>
+            <a:r>
+              <a:rPr lang="en-US" dirty="0" err="1" smtClean="0"/>
+              <a:t>trường</a:t>
+            </a:r>
+            <a:r>
+              <a:rPr lang="en-US" dirty="0" smtClean="0"/>
+              <a:t> PHP</a:t>
+            </a:r>
+          </a:p>
+          <a:p>
+            <a:r>
+              <a:rPr lang="en-US" dirty="0" err="1" smtClean="0"/>
+              <a:t>Áp</a:t>
+            </a:r>
+            <a:r>
+              <a:rPr lang="en-US" dirty="0" smtClean="0"/>
+              <a:t> </a:t>
+            </a:r>
+            <a:r>
+              <a:rPr lang="en-US" dirty="0" err="1" smtClean="0"/>
+              <a:t>dụng</a:t>
+            </a:r>
+            <a:r>
+              <a:rPr lang="en-US" dirty="0" smtClean="0"/>
+              <a:t> </a:t>
+            </a:r>
+            <a:r>
+              <a:rPr lang="en-US" dirty="0" err="1" smtClean="0"/>
+              <a:t>một</a:t>
+            </a:r>
+            <a:r>
+              <a:rPr lang="en-US" dirty="0" smtClean="0"/>
+              <a:t> framework </a:t>
+            </a:r>
+            <a:r>
+              <a:rPr lang="en-US" dirty="0" err="1" smtClean="0"/>
+              <a:t>vào</a:t>
+            </a:r>
+            <a:r>
+              <a:rPr lang="en-US" dirty="0" smtClean="0"/>
+              <a:t> </a:t>
+            </a:r>
+            <a:r>
+              <a:rPr lang="en-US" dirty="0" err="1" smtClean="0"/>
+              <a:t>việc</a:t>
+            </a:r>
+            <a:r>
+              <a:rPr lang="en-US" dirty="0" smtClean="0"/>
+              <a:t> </a:t>
+            </a:r>
+            <a:r>
+              <a:rPr lang="en-US" dirty="0" err="1" smtClean="0"/>
+              <a:t>phát</a:t>
+            </a:r>
+            <a:r>
+              <a:rPr lang="en-US" dirty="0" smtClean="0"/>
+              <a:t> </a:t>
+            </a:r>
+            <a:r>
+              <a:rPr lang="en-US" dirty="0" err="1" smtClean="0"/>
+              <a:t>triển</a:t>
+            </a:r>
+            <a:r>
+              <a:rPr lang="en-US" dirty="0" smtClean="0"/>
+              <a:t> </a:t>
+            </a:r>
+            <a:r>
+              <a:rPr lang="en-US" dirty="0" err="1" smtClean="0"/>
+              <a:t>ứng</a:t>
+            </a:r>
+            <a:r>
+              <a:rPr lang="en-US" dirty="0" smtClean="0"/>
+              <a:t> </a:t>
+            </a:r>
+            <a:r>
+              <a:rPr lang="en-US" dirty="0" err="1" smtClean="0"/>
+              <a:t>dụng</a:t>
+            </a:r>
+            <a:endParaRPr lang="en-US" dirty="0" smtClean="0"/>
+          </a:p>
+          <a:p>
+            <a:r>
+              <a:rPr lang="en-US" dirty="0" err="1" smtClean="0"/>
+              <a:t>Rèn</a:t>
+            </a:r>
+            <a:r>
+              <a:rPr lang="en-US" dirty="0" smtClean="0"/>
+              <a:t> </a:t>
+            </a:r>
+            <a:r>
+              <a:rPr lang="en-US" dirty="0" err="1" smtClean="0"/>
+              <a:t>luyện</a:t>
+            </a:r>
+            <a:r>
+              <a:rPr lang="en-US" dirty="0" smtClean="0"/>
+              <a:t> </a:t>
+            </a:r>
+            <a:r>
+              <a:rPr lang="en-US" dirty="0" err="1" smtClean="0"/>
+              <a:t>kỹ</a:t>
+            </a:r>
+            <a:r>
+              <a:rPr lang="en-US" dirty="0" smtClean="0"/>
+              <a:t> </a:t>
+            </a:r>
+            <a:r>
+              <a:rPr lang="en-US" dirty="0" err="1" smtClean="0"/>
+              <a:t>năng</a:t>
+            </a:r>
+            <a:r>
+              <a:rPr lang="en-US" dirty="0" smtClean="0"/>
+              <a:t> </a:t>
+            </a:r>
+            <a:r>
+              <a:rPr lang="en-US" dirty="0" err="1" smtClean="0"/>
+              <a:t>tự</a:t>
+            </a:r>
+            <a:r>
+              <a:rPr lang="en-US" dirty="0" smtClean="0"/>
+              <a:t> </a:t>
+            </a:r>
+            <a:r>
+              <a:rPr lang="en-US" dirty="0" err="1" smtClean="0"/>
+              <a:t>nghiên</a:t>
+            </a:r>
+            <a:r>
+              <a:rPr lang="en-US" dirty="0" smtClean="0"/>
+              <a:t> </a:t>
+            </a:r>
+            <a:r>
+              <a:rPr lang="en-US" dirty="0" err="1" smtClean="0"/>
+              <a:t>cứu</a:t>
+            </a:r>
+            <a:r>
+              <a:rPr lang="en-US" dirty="0" smtClean="0"/>
+              <a:t>, </a:t>
+            </a:r>
+            <a:r>
+              <a:rPr lang="en-US" dirty="0" err="1" smtClean="0"/>
+              <a:t>phân</a:t>
+            </a:r>
+            <a:r>
+              <a:rPr lang="en-US" dirty="0" smtClean="0"/>
+              <a:t> chia </a:t>
+            </a:r>
+            <a:r>
+              <a:rPr lang="en-US" dirty="0" err="1" smtClean="0"/>
+              <a:t>thời</a:t>
+            </a:r>
+            <a:r>
+              <a:rPr lang="en-US" dirty="0" smtClean="0"/>
+              <a:t> </a:t>
+            </a:r>
+            <a:r>
+              <a:rPr lang="en-US" dirty="0" err="1" smtClean="0"/>
+              <a:t>gian</a:t>
+            </a:r>
+            <a:r>
+              <a:rPr lang="en-US" dirty="0" smtClean="0"/>
+              <a:t> </a:t>
+            </a:r>
+            <a:r>
+              <a:rPr lang="en-US" dirty="0" err="1" smtClean="0"/>
+              <a:t>làm</a:t>
+            </a:r>
+            <a:r>
+              <a:rPr lang="en-US" dirty="0" smtClean="0"/>
+              <a:t> </a:t>
+            </a:r>
+            <a:r>
+              <a:rPr lang="en-US" dirty="0" err="1" smtClean="0"/>
+              <a:t>việc</a:t>
+            </a:r>
+            <a:r>
+              <a:rPr lang="en-US" dirty="0" smtClean="0"/>
+              <a:t> </a:t>
+            </a:r>
+            <a:r>
+              <a:rPr lang="en-US" dirty="0" err="1" smtClean="0"/>
+              <a:t>đối</a:t>
+            </a:r>
+            <a:r>
+              <a:rPr lang="en-US" dirty="0" smtClean="0"/>
+              <a:t> </a:t>
+            </a:r>
+            <a:r>
+              <a:rPr lang="en-US" dirty="0" err="1" smtClean="0"/>
+              <a:t>với</a:t>
+            </a:r>
+            <a:r>
+              <a:rPr lang="en-US" dirty="0" smtClean="0"/>
+              <a:t> </a:t>
+            </a:r>
+            <a:r>
+              <a:rPr lang="en-US" dirty="0" err="1" smtClean="0"/>
+              <a:t>môi</a:t>
+            </a:r>
+            <a:r>
+              <a:rPr lang="en-US" dirty="0" smtClean="0"/>
+              <a:t> </a:t>
+            </a:r>
+            <a:r>
+              <a:rPr lang="en-US" dirty="0" err="1" smtClean="0"/>
+              <a:t>trường</a:t>
+            </a:r>
+            <a:r>
+              <a:rPr lang="en-US" dirty="0" smtClean="0"/>
+              <a:t> </a:t>
+            </a:r>
+            <a:r>
+              <a:rPr lang="en-US" dirty="0" err="1" smtClean="0"/>
+              <a:t>mới</a:t>
+            </a:r>
+            <a:endParaRPr lang="en-US" dirty="0" smtClean="0"/>
+          </a:p>
+          <a:p>
+            <a:r>
+              <a:rPr lang="en-US" dirty="0" err="1" smtClean="0"/>
+              <a:t>Hoàn</a:t>
+            </a:r>
+            <a:r>
+              <a:rPr lang="en-US" dirty="0" smtClean="0"/>
+              <a:t> </a:t>
+            </a:r>
+            <a:r>
+              <a:rPr lang="en-US" dirty="0" err="1" smtClean="0"/>
+              <a:t>thành</a:t>
+            </a:r>
+            <a:r>
+              <a:rPr lang="en-US" dirty="0" smtClean="0"/>
+              <a:t> website</a:t>
+            </a:r>
+            <a:endParaRPr lang="en-US" dirty="0" smtClean="0"/>
           </a:p>
         </p:txBody>
       </p:sp>
@@ -5553,24 +7283,41 @@
           <a:lstStyle/>
           <a:p>
             <a:r>
-              <a:rPr lang="en-US" smtClean="0"/>
-              <a:t>Mô hình MVC</a:t>
-            </a:r>
-          </a:p>
-          <a:p>
-            <a:r>
-              <a:rPr lang="en-US" smtClean="0"/>
+              <a:rPr lang="en-US" dirty="0" err="1" smtClean="0"/>
+              <a:t>Mô</a:t>
+            </a:r>
+            <a:r>
+              <a:rPr lang="en-US" dirty="0" smtClean="0"/>
+              <a:t> </a:t>
+            </a:r>
+            <a:r>
+              <a:rPr lang="en-US" dirty="0" err="1" smtClean="0"/>
+              <a:t>hình</a:t>
+            </a:r>
+            <a:r>
+              <a:rPr lang="en-US" dirty="0" smtClean="0"/>
+              <a:t> MVC</a:t>
+            </a:r>
+          </a:p>
+          <a:p>
+            <a:r>
+              <a:rPr lang="en-US" dirty="0" smtClean="0"/>
+              <a:t>Framework </a:t>
+            </a:r>
+            <a:r>
+              <a:rPr lang="en-US" dirty="0" err="1" smtClean="0"/>
               <a:t>CakePHP</a:t>
             </a:r>
-          </a:p>
-          <a:p>
-            <a:r>
-              <a:rPr lang="en-US" smtClean="0"/>
+            <a:endParaRPr lang="en-US" dirty="0" smtClean="0"/>
+          </a:p>
+          <a:p>
+            <a:r>
+              <a:rPr lang="en-US" dirty="0" smtClean="0"/>
               <a:t>MySQL</a:t>
             </a:r>
           </a:p>
           <a:p>
-            <a:endParaRPr lang="en-US" smtClean="0"/>
+            <a:endParaRPr lang="en-US" dirty="0" smtClean="0"/>
           </a:p>
         </p:txBody>
       </p:sp>
@@ -5876,23 +7623,35 @@
             <p:ph type="title"/>
           </p:nvPr>
         </p:nvSpPr>
-        <p:spPr>
-          <a:xfrm>
-            <a:off x="457200" y="609600"/>
-            <a:ext cx="8229600" cy="1066800"/>
-          </a:xfrm>
-        </p:spPr>
-        <p:txBody>
-          <a:bodyPr>
-            <a:normAutofit/>
-          </a:bodyPr>
-          <a:lstStyle/>
-          <a:p>
-            <a:r>
-              <a:rPr lang="en-US" sz="3200" smtClean="0"/>
-              <a:t>Mô hình quản lý hồ sơ người tìm việc</a:t>
-            </a:r>
-            <a:endParaRPr lang="en-US" sz="3200"/>
+        <p:spPr/>
+        <p:txBody>
+          <a:bodyPr/>
+          <a:lstStyle/>
+          <a:p>
+            <a:r>
+              <a:rPr lang="en-US" dirty="0" smtClean="0"/>
+              <a:t>Database</a:t>
+            </a:r>
+            <a:endParaRPr lang="en-US" dirty="0"/>
+          </a:p>
+        </p:txBody>
+      </p:sp>
+      <p:sp>
+        <p:nvSpPr>
+          <p:cNvPr id="3" name="Content Placeholder 2"/>
+          <p:cNvSpPr>
+            <a:spLocks noGrp="1"/>
+          </p:cNvSpPr>
+          <p:nvPr>
+            <p:ph idx="1"/>
+          </p:nvPr>
+        </p:nvSpPr>
+        <p:spPr/>
+        <p:txBody>
+          <a:bodyPr/>
+          <a:lstStyle/>
+          <a:p>
+            <a:endParaRPr lang="en-US" dirty="0"/>
           </a:p>
         </p:txBody>
       </p:sp>
@@ -5920,50 +7679,16 @@
           </a:p>
         </p:txBody>
       </p:sp>
-      <p:pic>
-        <p:nvPicPr>
-          <p:cNvPr id="2050" name="Picture 2" descr="resume"/>
-          <p:cNvPicPr>
-            <a:picLocks noChangeAspect="1" noChangeArrowheads="1"/>
-          </p:cNvPicPr>
-          <p:nvPr/>
-        </p:nvPicPr>
-        <p:blipFill>
-          <a:blip r:embed="rId2" cstate="print"/>
-          <a:srcRect/>
-          <a:stretch>
-            <a:fillRect/>
-          </a:stretch>
-        </p:blipFill>
-        <p:spPr bwMode="auto">
-          <a:xfrm>
-            <a:off x="457200" y="1524000"/>
-            <a:ext cx="8077199" cy="5105400"/>
-          </a:xfrm>
-          <a:prstGeom prst="rect">
-            <a:avLst/>
-          </a:prstGeom>
-          <a:noFill/>
-          <a:ln w="9525">
-            <a:noFill/>
-            <a:miter lim="800000"/>
-            <a:headEnd/>
-            <a:tailEnd/>
-          </a:ln>
-        </p:spPr>
-      </p:pic>
     </p:spTree>
+    <p:extLst>
+      <p:ext uri="{BB962C8B-B14F-4D97-AF65-F5344CB8AC3E}">
+        <p14:creationId xmlns:p14="http://schemas.microsoft.com/office/powerpoint/2010/main" val="1328778418"/>
+      </p:ext>
+    </p:extLst>
   </p:cSld>
   <p:clrMapOvr>
     <a:masterClrMapping/>
   </p:clrMapOvr>
-  <p:timing>
-    <p:tnLst>
-      <p:par>
-        <p:cTn id="1" dur="indefinite" restart="never" nodeType="tmRoot"/>
-      </p:par>
-    </p:tnLst>
-  </p:timing>
 </p:sld>
 </file>
 
@@ -5986,44 +7711,6 @@
       </p:grpSpPr>
       <p:sp>
         <p:nvSpPr>
-          <p:cNvPr id="2" name="Title 1"/>
-          <p:cNvSpPr>
-            <a:spLocks noGrp="1"/>
-          </p:cNvSpPr>
-          <p:nvPr>
-            <p:ph type="title"/>
-          </p:nvPr>
-        </p:nvSpPr>
-        <p:spPr>
-          <a:xfrm>
-            <a:off x="457200" y="457200"/>
-            <a:ext cx="8229600" cy="1066800"/>
-          </a:xfrm>
-        </p:spPr>
-        <p:txBody>
-          <a:bodyPr>
-            <a:normAutofit/>
-          </a:bodyPr>
-          <a:lstStyle/>
-          <a:p>
-            <a:r>
-              <a:rPr lang="x-none" sz="3200" smtClean="0"/>
-              <a:t>Mô hình quản lý thông tin </a:t>
-            </a:r>
-            <a:r>
-              <a:rPr lang="x-none" sz="3200" smtClean="0"/>
-              <a:t>tuyển </a:t>
-            </a:r>
-            <a:r>
-              <a:rPr lang="x-none" sz="3200" smtClean="0"/>
-              <a:t>dụng</a:t>
-            </a:r>
-            <a:endParaRPr lang="en-US" sz="3200"/>
-          </a:p>
-        </p:txBody>
-      </p:sp>
-      <p:sp>
-        <p:nvSpPr>
           <p:cNvPr id="4" name="Slide Number Placeholder 3"/>
           <p:cNvSpPr>
             <a:spLocks noGrp="1"/>
@@ -6048,14 +7735,20 @@
       </p:sp>
       <p:pic>
         <p:nvPicPr>
-          <p:cNvPr id="3074" name="Picture 2" descr="job"/>
+          <p:cNvPr id="1026" name="Picture 2" descr="Model"/>
           <p:cNvPicPr>
             <a:picLocks noChangeAspect="1" noChangeArrowheads="1"/>
           </p:cNvPicPr>
           <p:nvPr/>
         </p:nvPicPr>
         <p:blipFill>
-          <a:blip r:embed="rId2" cstate="print"/>
+          <a:blip r:embed="rId2">
+            <a:extLst>
+              <a:ext uri="{28A0092B-C50C-407E-A947-70E740481C1C}">
+                <a14:useLocalDpi xmlns:a14="http://schemas.microsoft.com/office/drawing/2010/main" val="0"/>
+              </a:ext>
+            </a:extLst>
+          </a:blip>
           <a:srcRect/>
           <a:stretch>
             <a:fillRect/>
@@ -6063,22 +7756,43 @@
         </p:blipFill>
         <p:spPr bwMode="auto">
           <a:xfrm>
-            <a:off x="457201" y="1439542"/>
-            <a:ext cx="8305799" cy="5266057"/>
+            <a:off x="10633" y="12402"/>
+            <a:ext cx="9169644" cy="6845598"/>
           </a:xfrm>
           <a:prstGeom prst="rect">
             <a:avLst/>
           </a:prstGeom>
           <a:noFill/>
-          <a:ln w="9525">
+          <a:ln>
             <a:noFill/>
-            <a:miter lim="800000"/>
-            <a:headEnd/>
-            <a:tailEnd/>
           </a:ln>
+          <a:extLst>
+            <a:ext uri="{909E8E84-426E-40DD-AFC4-6F175D3DCCD1}">
+              <a14:hiddenFill xmlns:a14="http://schemas.microsoft.com/office/drawing/2010/main">
+                <a:solidFill>
+                  <a:srgbClr val="FFFFFF"/>
+                </a:solidFill>
+              </a14:hiddenFill>
+            </a:ext>
+            <a:ext uri="{91240B29-F687-4F45-9708-019B960494DF}">
+              <a14:hiddenLine xmlns:a14="http://schemas.microsoft.com/office/drawing/2010/main" w="9525">
+                <a:solidFill>
+                  <a:srgbClr val="000000"/>
+                </a:solidFill>
+                <a:miter lim="800000"/>
+                <a:headEnd/>
+                <a:tailEnd/>
+              </a14:hiddenLine>
+            </a:ext>
+          </a:extLst>
         </p:spPr>
       </p:pic>
     </p:spTree>
+    <p:extLst>
+      <p:ext uri="{BB962C8B-B14F-4D97-AF65-F5344CB8AC3E}">
+        <p14:creationId xmlns:p14="http://schemas.microsoft.com/office/powerpoint/2010/main" val="3930599821"/>
+      </p:ext>
+    </p:extLst>
   </p:cSld>
   <p:clrMapOvr>
     <a:masterClrMapping/>
@@ -6122,8 +7836,8 @@
         </p:nvSpPr>
         <p:spPr>
           <a:xfrm>
-            <a:off x="533400" y="609600"/>
-            <a:ext cx="8229600" cy="838200"/>
+            <a:off x="457200" y="609600"/>
+            <a:ext cx="8229600" cy="1066800"/>
           </a:xfrm>
         </p:spPr>
         <p:txBody>
@@ -6134,67 +7848,9 @@
           <a:p>
             <a:r>
               <a:rPr lang="en-US" sz="3200" smtClean="0"/>
-              <a:t>Các chức năng của người tìm việc</a:t>
+              <a:t>Mô hình quản lý hồ sơ người tìm việc</a:t>
             </a:r>
             <a:endParaRPr lang="en-US" sz="3200"/>
-          </a:p>
-        </p:txBody>
-      </p:sp>
-      <p:sp>
-        <p:nvSpPr>
-          <p:cNvPr id="3" name="Content Placeholder 2"/>
-          <p:cNvSpPr>
-            <a:spLocks noGrp="1"/>
-          </p:cNvSpPr>
-          <p:nvPr>
-            <p:ph idx="1"/>
-          </p:nvPr>
-        </p:nvSpPr>
-        <p:spPr>
-          <a:xfrm>
-            <a:off x="762000" y="1676400"/>
-            <a:ext cx="7924800" cy="4706112"/>
-          </a:xfrm>
-        </p:spPr>
-        <p:txBody>
-          <a:bodyPr/>
-          <a:lstStyle/>
-          <a:p>
-            <a:r>
-              <a:rPr lang="en-US" smtClean="0"/>
-              <a:t>Đăng ký, đăng nhập</a:t>
-            </a:r>
-          </a:p>
-          <a:p>
-            <a:r>
-              <a:rPr lang="en-US" smtClean="0"/>
-              <a:t>Quản lý tài khoản</a:t>
-            </a:r>
-          </a:p>
-          <a:p>
-            <a:r>
-              <a:rPr lang="en-US" smtClean="0"/>
-              <a:t>Tạo hồ sơ cá nhân</a:t>
-            </a:r>
-          </a:p>
-          <a:p>
-            <a:r>
-              <a:rPr lang="en-US" smtClean="0"/>
-              <a:t>Nộp hồ sơ ứng tuyển</a:t>
-            </a:r>
-          </a:p>
-          <a:p>
-            <a:r>
-              <a:rPr lang="en-US" smtClean="0"/>
-              <a:t>Tìm kiếm việc làm</a:t>
-            </a:r>
-          </a:p>
-          <a:p>
-            <a:r>
-              <a:rPr lang="en-US" smtClean="0"/>
-              <a:t>Quản lý việc làm</a:t>
-            </a:r>
-            <a:endParaRPr lang="en-US"/>
           </a:p>
         </p:txBody>
       </p:sp>
@@ -6222,6 +7878,38 @@
           </a:p>
         </p:txBody>
       </p:sp>
+      <p:pic>
+        <p:nvPicPr>
+          <p:cNvPr id="2050" name="Picture 2" descr="resume"/>
+          <p:cNvPicPr>
+            <a:picLocks noChangeAspect="1" noChangeArrowheads="1"/>
+          </p:cNvPicPr>
+          <p:nvPr/>
+        </p:nvPicPr>
+        <p:blipFill>
+          <a:blip r:embed="rId2" cstate="print"/>
+          <a:srcRect/>
+          <a:stretch>
+            <a:fillRect/>
+          </a:stretch>
+        </p:blipFill>
+        <p:spPr bwMode="auto">
+          <a:xfrm>
+            <a:off x="457200" y="1524000"/>
+            <a:ext cx="8077199" cy="5105400"/>
+          </a:xfrm>
+          <a:prstGeom prst="rect">
+            <a:avLst/>
+          </a:prstGeom>
+          <a:noFill/>
+          <a:ln w="9525">
+            <a:noFill/>
+            <a:miter lim="800000"/>
+            <a:headEnd/>
+            <a:tailEnd/>
+          </a:ln>
+        </p:spPr>
+      </p:pic>
     </p:spTree>
   </p:cSld>
   <p:clrMapOvr>

--- a/Docs/JobFinder.pptx
+++ b/Docs/JobFinder.pptx
@@ -210,7 +210,7 @@
             <a:fld id="{F97D34BD-908D-4457-820E-149482365FDC}" type="datetimeFigureOut">
               <a:rPr lang="en-US" smtClean="0"/>
               <a:pPr/>
-              <a:t>1/15/2011</a:t>
+              <a:t>1/16/2011</a:t>
             </a:fld>
             <a:endParaRPr lang="en-US"/>
           </a:p>
@@ -377,7 +377,7 @@
             <a:fld id="{2675B028-9940-4B3E-A1B1-16826B865651}" type="datetimeFigureOut">
               <a:rPr lang="en-US" smtClean="0"/>
               <a:pPr/>
-              <a:t>1/15/2011</a:t>
+              <a:t>1/16/2011</a:t>
             </a:fld>
             <a:endParaRPr lang="en-US"/>
           </a:p>
@@ -775,58 +775,6 @@
           <a:bodyPr/>
           <a:lstStyle/>
           <a:p>
-            <a:r>
-              <a:rPr lang="en-US" dirty="0" smtClean="0"/>
-              <a:t>Slide </a:t>
-            </a:r>
-            <a:r>
-              <a:rPr lang="en-US" dirty="0" err="1" smtClean="0"/>
-              <a:t>ngắn</a:t>
-            </a:r>
-            <a:r>
-              <a:rPr lang="en-US" baseline="0" dirty="0" smtClean="0"/>
-              <a:t> </a:t>
-            </a:r>
-            <a:r>
-              <a:rPr lang="en-US" baseline="0" dirty="0" err="1" smtClean="0"/>
-              <a:t>khỏi</a:t>
-            </a:r>
-            <a:r>
-              <a:rPr lang="en-US" baseline="0" dirty="0" smtClean="0"/>
-              <a:t> </a:t>
-            </a:r>
-            <a:r>
-              <a:rPr lang="en-US" baseline="0" dirty="0" err="1" smtClean="0"/>
-              <a:t>cần</a:t>
-            </a:r>
-            <a:r>
-              <a:rPr lang="en-US" baseline="0" dirty="0" smtClean="0"/>
-              <a:t> </a:t>
-            </a:r>
-            <a:r>
-              <a:rPr lang="en-US" baseline="0" dirty="0" err="1" smtClean="0"/>
-              <a:t>cái</a:t>
-            </a:r>
-            <a:r>
-              <a:rPr lang="en-US" baseline="0" dirty="0" smtClean="0"/>
-              <a:t> </a:t>
-            </a:r>
-            <a:r>
-              <a:rPr lang="en-US" baseline="0" dirty="0" err="1" smtClean="0"/>
-              <a:t>nì</a:t>
-            </a:r>
-            <a:r>
-              <a:rPr lang="en-US" baseline="0" dirty="0" smtClean="0"/>
-              <a:t> </a:t>
-            </a:r>
-            <a:r>
-              <a:rPr lang="en-US" baseline="0" dirty="0" err="1" smtClean="0"/>
-              <a:t>nhể</a:t>
-            </a:r>
-            <a:r>
-              <a:rPr lang="en-US" baseline="0" dirty="0" smtClean="0"/>
-              <a:t> ^_^</a:t>
-            </a:r>
             <a:endParaRPr lang="en-US" dirty="0"/>
           </a:p>
         </p:txBody>
@@ -1612,7 +1560,7 @@
             <a:fld id="{98D4C3F7-2A07-4223-8BAD-8B1A493FB003}" type="datetime1">
               <a:rPr lang="en-US" smtClean="0"/>
               <a:pPr/>
-              <a:t>1/15/2011</a:t>
+              <a:t>1/16/2011</a:t>
             </a:fld>
             <a:endParaRPr lang="en-US"/>
           </a:p>
@@ -1797,7 +1745,7 @@
             <a:fld id="{5C8A4C68-95AE-4347-BE48-79478BFE654D}" type="datetime1">
               <a:rPr lang="en-US" smtClean="0"/>
               <a:pPr/>
-              <a:t>1/15/2011</a:t>
+              <a:t>1/16/2011</a:t>
             </a:fld>
             <a:endParaRPr lang="en-US"/>
           </a:p>
@@ -1974,7 +1922,7 @@
             <a:fld id="{B9CE53CD-04EA-4DFB-A303-647C1FDAA0B3}" type="datetime1">
               <a:rPr lang="en-US" smtClean="0"/>
               <a:pPr/>
-              <a:t>1/15/2011</a:t>
+              <a:t>1/16/2011</a:t>
             </a:fld>
             <a:endParaRPr lang="en-US"/>
           </a:p>
@@ -2141,7 +2089,7 @@
             <a:fld id="{CC0FA7FE-ED21-451B-867C-4E6745EFE529}" type="datetime1">
               <a:rPr lang="en-US" smtClean="0"/>
               <a:pPr/>
-              <a:t>1/15/2011</a:t>
+              <a:t>1/16/2011</a:t>
             </a:fld>
             <a:endParaRPr lang="en-US"/>
           </a:p>
@@ -2364,7 +2312,7 @@
             <a:fld id="{0F212670-DEFC-400E-9EA7-96F6BB7B0D09}" type="datetime1">
               <a:rPr lang="en-US" smtClean="0"/>
               <a:pPr/>
-              <a:t>1/15/2011</a:t>
+              <a:t>1/16/2011</a:t>
             </a:fld>
             <a:endParaRPr lang="en-US"/>
           </a:p>
@@ -2625,7 +2573,7 @@
             <a:fld id="{6B96A0C5-A419-4C00-8B13-0AE100373AE1}" type="datetime1">
               <a:rPr lang="en-US" smtClean="0"/>
               <a:pPr/>
-              <a:t>1/15/2011</a:t>
+              <a:t>1/16/2011</a:t>
             </a:fld>
             <a:endParaRPr lang="en-US"/>
           </a:p>
@@ -3031,7 +2979,7 @@
             <a:fld id="{C2E9FEE7-5DFE-4E62-B27A-499336D94B4C}" type="datetime1">
               <a:rPr lang="en-US" smtClean="0"/>
               <a:pPr/>
-              <a:t>1/15/2011</a:t>
+              <a:t>1/16/2011</a:t>
             </a:fld>
             <a:endParaRPr lang="en-US"/>
           </a:p>
@@ -3164,7 +3112,7 @@
             <a:fld id="{5D9D9EE1-78B1-4077-9F10-37AE8D28941D}" type="datetime1">
               <a:rPr lang="en-US" smtClean="0"/>
               <a:pPr/>
-              <a:t>1/15/2011</a:t>
+              <a:t>1/16/2011</a:t>
             </a:fld>
             <a:endParaRPr lang="en-US"/>
           </a:p>
@@ -3266,7 +3214,7 @@
             <a:fld id="{2E568226-69AD-412B-B6F6-1E22226FA673}" type="datetime1">
               <a:rPr lang="en-US" smtClean="0"/>
               <a:pPr/>
-              <a:t>1/15/2011</a:t>
+              <a:t>1/16/2011</a:t>
             </a:fld>
             <a:endParaRPr lang="en-US"/>
           </a:p>
@@ -3513,7 +3461,7 @@
             <a:fld id="{3EB39AC5-74D0-4191-AA87-D525021BA6E2}" type="datetime1">
               <a:rPr lang="en-US" smtClean="0"/>
               <a:pPr/>
-              <a:t>1/15/2011</a:t>
+              <a:t>1/16/2011</a:t>
             </a:fld>
             <a:endParaRPr lang="en-US"/>
           </a:p>
@@ -3759,7 +3707,7 @@
             <a:fld id="{E63AD7CB-5E2E-4580-A006-8AB26D802912}" type="datetime1">
               <a:rPr lang="en-US" smtClean="0"/>
               <a:pPr/>
-              <a:t>1/15/2011</a:t>
+              <a:t>1/16/2011</a:t>
             </a:fld>
             <a:endParaRPr lang="en-US"/>
           </a:p>
@@ -4585,7 +4533,7 @@
             <a:fld id="{A2CD4AC8-2DEE-4C8C-B7B2-6C3D8A004F5B}" type="datetime1">
               <a:rPr lang="en-US" smtClean="0"/>
               <a:pPr/>
-              <a:t>1/15/2011</a:t>
+              <a:t>1/16/2011</a:t>
             </a:fld>
             <a:endParaRPr lang="en-US"/>
           </a:p>
@@ -5002,7 +4950,15 @@
             <a:pPr algn="ctr"/>
             <a:r>
               <a:rPr lang="en-US" sz="4800" smtClean="0"/>
-              <a:t>Xây dựng trang web tìm kiếm việc làm</a:t>
+              <a:t>Xây dựng </a:t>
+            </a:r>
+            <a:r>
+              <a:rPr lang="en-US" sz="4800" smtClean="0"/>
+              <a:t>website tìm </a:t>
+            </a:r>
+            <a:r>
+              <a:rPr lang="en-US" sz="4800" smtClean="0"/>
+              <a:t>kiếm việc làm</a:t>
             </a:r>
             <a:endParaRPr lang="en-US" sz="4800"/>
           </a:p>
@@ -5026,7 +4982,7 @@
         </p:spPr>
         <p:txBody>
           <a:bodyPr>
-            <a:normAutofit fontScale="70000" lnSpcReduction="20000"/>
+            <a:normAutofit fontScale="62500" lnSpcReduction="20000"/>
           </a:bodyPr>
           <a:lstStyle/>
           <a:p>
@@ -5618,8 +5574,8 @@
         </p:blipFill>
         <p:spPr bwMode="auto">
           <a:xfrm>
-            <a:off x="457201" y="1439542"/>
-            <a:ext cx="8305799" cy="5266057"/>
+            <a:off x="533400" y="1219200"/>
+            <a:ext cx="7924799" cy="5486399"/>
           </a:xfrm>
           <a:prstGeom prst="rect">
             <a:avLst/>
@@ -6260,15 +6216,125 @@
           <a:p>
             <a:pPr lvl="1"/>
             <a:r>
-              <a:rPr lang="en-US" dirty="0" smtClean="0"/>
+              <a:rPr lang="en-US" dirty="0" smtClean="0">
+                <a:solidFill>
+                  <a:schemeClr val="tx1"/>
+                </a:solidFill>
+              </a:rPr>
               <a:t>MVC</a:t>
             </a:r>
           </a:p>
           <a:p>
             <a:pPr lvl="1"/>
             <a:r>
+              <a:rPr lang="en-US" dirty="0" err="1" smtClean="0">
+                <a:solidFill>
+                  <a:schemeClr val="tx1"/>
+                </a:solidFill>
+              </a:rPr>
+              <a:t>Tầm</a:t>
+            </a:r>
+            <a:r>
+              <a:rPr lang="en-US" dirty="0" smtClean="0">
+                <a:solidFill>
+                  <a:schemeClr val="tx1"/>
+                </a:solidFill>
+              </a:rPr>
+              <a:t> </a:t>
+            </a:r>
+            <a:r>
+              <a:rPr lang="en-US" dirty="0" err="1" smtClean="0">
+                <a:solidFill>
+                  <a:schemeClr val="tx1"/>
+                </a:solidFill>
+              </a:rPr>
+              <a:t>quan</a:t>
+            </a:r>
+            <a:r>
+              <a:rPr lang="en-US" dirty="0" smtClean="0">
+                <a:solidFill>
+                  <a:schemeClr val="tx1"/>
+                </a:solidFill>
+              </a:rPr>
+              <a:t> </a:t>
+            </a:r>
+            <a:r>
+              <a:rPr lang="en-US" dirty="0" err="1" smtClean="0">
+                <a:solidFill>
+                  <a:schemeClr val="tx1"/>
+                </a:solidFill>
+              </a:rPr>
+              <a:t>trọng</a:t>
+            </a:r>
+            <a:r>
+              <a:rPr lang="en-US" dirty="0" smtClean="0">
+                <a:solidFill>
+                  <a:schemeClr val="tx1"/>
+                </a:solidFill>
+              </a:rPr>
+              <a:t> </a:t>
+            </a:r>
+            <a:r>
+              <a:rPr lang="en-US" dirty="0" err="1" smtClean="0">
+                <a:solidFill>
+                  <a:schemeClr val="tx1"/>
+                </a:solidFill>
+              </a:rPr>
+              <a:t>mã</a:t>
+            </a:r>
+            <a:r>
+              <a:rPr lang="en-US" dirty="0" smtClean="0">
+                <a:solidFill>
+                  <a:schemeClr val="tx1"/>
+                </a:solidFill>
+              </a:rPr>
+              <a:t> </a:t>
+            </a:r>
+            <a:r>
+              <a:rPr lang="en-US" dirty="0" err="1" smtClean="0">
+                <a:solidFill>
+                  <a:schemeClr val="tx1"/>
+                </a:solidFill>
+              </a:rPr>
+              <a:t>nguồn</a:t>
+            </a:r>
+            <a:r>
+              <a:rPr lang="en-US" dirty="0" smtClean="0">
+                <a:solidFill>
+                  <a:schemeClr val="tx1"/>
+                </a:solidFill>
+              </a:rPr>
+              <a:t> </a:t>
+            </a:r>
+            <a:r>
+              <a:rPr lang="en-US" dirty="0" err="1" smtClean="0">
+                <a:solidFill>
+                  <a:schemeClr val="tx1"/>
+                </a:solidFill>
+              </a:rPr>
+              <a:t>mở</a:t>
+            </a:r>
+            <a:endParaRPr lang="en-US" dirty="0" smtClean="0">
+              <a:solidFill>
+                <a:schemeClr val="tx1"/>
+              </a:solidFill>
+            </a:endParaRPr>
+          </a:p>
+          <a:p>
+            <a:pPr lvl="1"/>
+            <a:r>
+              <a:rPr lang="en-US" dirty="0" smtClean="0">
+                <a:solidFill>
+                  <a:schemeClr val="tx1"/>
+                </a:solidFill>
+              </a:rPr>
+              <a:t>PHP, MySQL</a:t>
+            </a:r>
+          </a:p>
+          <a:p>
+            <a:r>
               <a:rPr lang="en-US" dirty="0" err="1" smtClean="0"/>
-              <a:t>Tầm</a:t>
+              <a:t>Kỹ</a:t>
             </a:r>
             <a:r>
               <a:rPr lang="en-US" dirty="0" smtClean="0"/>
@@ -6276,159 +6342,201 @@
             </a:r>
             <a:r>
               <a:rPr lang="en-US" dirty="0" err="1" smtClean="0"/>
-              <a:t>quan</a:t>
-            </a:r>
-            <a:r>
-              <a:rPr lang="en-US" dirty="0" smtClean="0"/>
+              <a:t>năng</a:t>
+            </a:r>
+            <a:endParaRPr lang="en-US" dirty="0" smtClean="0"/>
+          </a:p>
+          <a:p>
+            <a:pPr lvl="1"/>
+            <a:r>
+              <a:rPr lang="en-US" dirty="0" err="1" smtClean="0">
+                <a:solidFill>
+                  <a:schemeClr val="tx1"/>
+                </a:solidFill>
+              </a:rPr>
+              <a:t>Kỹ</a:t>
+            </a:r>
+            <a:r>
+              <a:rPr lang="en-US" dirty="0" smtClean="0">
+                <a:solidFill>
+                  <a:schemeClr val="tx1"/>
+                </a:solidFill>
+              </a:rPr>
               <a:t> </a:t>
             </a:r>
             <a:r>
-              <a:rPr lang="en-US" dirty="0" err="1" smtClean="0"/>
-              <a:t>trọng</a:t>
-            </a:r>
-            <a:r>
-              <a:rPr lang="en-US" dirty="0" smtClean="0"/>
+              <a:rPr lang="en-US" dirty="0" err="1" smtClean="0">
+                <a:solidFill>
+                  <a:schemeClr val="tx1"/>
+                </a:solidFill>
+              </a:rPr>
+              <a:t>năng</a:t>
+            </a:r>
+            <a:r>
+              <a:rPr lang="en-US" dirty="0" smtClean="0">
+                <a:solidFill>
+                  <a:schemeClr val="tx1"/>
+                </a:solidFill>
+              </a:rPr>
               <a:t> </a:t>
             </a:r>
             <a:r>
-              <a:rPr lang="en-US" dirty="0" err="1" smtClean="0"/>
-              <a:t>mã</a:t>
-            </a:r>
-            <a:r>
-              <a:rPr lang="en-US" dirty="0" smtClean="0"/>
+              <a:rPr lang="en-US" dirty="0" err="1" smtClean="0">
+                <a:solidFill>
+                  <a:schemeClr val="tx1"/>
+                </a:solidFill>
+              </a:rPr>
+              <a:t>nghiên</a:t>
+            </a:r>
+            <a:r>
+              <a:rPr lang="en-US" dirty="0" smtClean="0">
+                <a:solidFill>
+                  <a:schemeClr val="tx1"/>
+                </a:solidFill>
+              </a:rPr>
               <a:t> </a:t>
             </a:r>
             <a:r>
-              <a:rPr lang="en-US" dirty="0" err="1" smtClean="0"/>
-              <a:t>nguồn</a:t>
-            </a:r>
-            <a:r>
-              <a:rPr lang="en-US" dirty="0" smtClean="0"/>
+              <a:rPr lang="en-US" dirty="0" err="1" smtClean="0">
+                <a:solidFill>
+                  <a:schemeClr val="tx1"/>
+                </a:solidFill>
+              </a:rPr>
+              <a:t>cứu</a:t>
+            </a:r>
+            <a:r>
+              <a:rPr lang="en-US" dirty="0" smtClean="0">
+                <a:solidFill>
+                  <a:schemeClr val="tx1"/>
+                </a:solidFill>
+              </a:rPr>
+              <a:t>, </a:t>
+            </a:r>
+            <a:r>
+              <a:rPr lang="en-US" dirty="0" err="1" smtClean="0">
+                <a:solidFill>
+                  <a:schemeClr val="tx1"/>
+                </a:solidFill>
+              </a:rPr>
+              <a:t>phân</a:t>
+            </a:r>
+            <a:r>
+              <a:rPr lang="en-US" dirty="0" smtClean="0">
+                <a:solidFill>
+                  <a:schemeClr val="tx1"/>
+                </a:solidFill>
+              </a:rPr>
+              <a:t> chia </a:t>
+            </a:r>
+            <a:r>
+              <a:rPr lang="en-US" dirty="0" err="1" smtClean="0">
+                <a:solidFill>
+                  <a:schemeClr val="tx1"/>
+                </a:solidFill>
+              </a:rPr>
+              <a:t>thời</a:t>
+            </a:r>
+            <a:r>
+              <a:rPr lang="en-US" dirty="0" smtClean="0">
+                <a:solidFill>
+                  <a:schemeClr val="tx1"/>
+                </a:solidFill>
+              </a:rPr>
               <a:t> </a:t>
             </a:r>
             <a:r>
-              <a:rPr lang="en-US" dirty="0" err="1" smtClean="0"/>
-              <a:t>mở</a:t>
-            </a:r>
-            <a:endParaRPr lang="en-US" dirty="0" smtClean="0"/>
+              <a:rPr lang="en-US" dirty="0" err="1" smtClean="0">
+                <a:solidFill>
+                  <a:schemeClr val="tx1"/>
+                </a:solidFill>
+              </a:rPr>
+              <a:t>gian</a:t>
+            </a:r>
+            <a:endParaRPr lang="en-US" dirty="0" smtClean="0">
+              <a:solidFill>
+                <a:schemeClr val="tx1"/>
+              </a:solidFill>
+            </a:endParaRPr>
           </a:p>
           <a:p>
             <a:pPr lvl="1"/>
             <a:r>
-              <a:rPr lang="en-US" dirty="0" smtClean="0"/>
-              <a:t>PHP, MySQL</a:t>
-            </a:r>
-          </a:p>
-          <a:p>
-            <a:r>
-              <a:rPr lang="en-US" dirty="0" err="1" smtClean="0"/>
+              <a:rPr lang="en-US" dirty="0" err="1" smtClean="0">
+                <a:solidFill>
+                  <a:schemeClr val="tx1"/>
+                </a:solidFill>
+              </a:rPr>
               <a:t>Kỹ</a:t>
             </a:r>
             <a:r>
-              <a:rPr lang="en-US" dirty="0" smtClean="0"/>
+              <a:rPr lang="en-US" dirty="0" smtClean="0">
+                <a:solidFill>
+                  <a:schemeClr val="tx1"/>
+                </a:solidFill>
+              </a:rPr>
               <a:t> </a:t>
             </a:r>
             <a:r>
-              <a:rPr lang="en-US" dirty="0" err="1" smtClean="0"/>
+              <a:rPr lang="en-US" dirty="0" err="1" smtClean="0">
+                <a:solidFill>
+                  <a:schemeClr val="tx1"/>
+                </a:solidFill>
+              </a:rPr>
               <a:t>năng</a:t>
             </a:r>
-            <a:endParaRPr lang="en-US" dirty="0" smtClean="0"/>
-          </a:p>
-          <a:p>
-            <a:pPr lvl="1"/>
-            <a:r>
-              <a:rPr lang="en-US" dirty="0" err="1" smtClean="0"/>
-              <a:t>Kỹ</a:t>
-            </a:r>
-            <a:r>
-              <a:rPr lang="en-US" dirty="0" smtClean="0"/>
+            <a:r>
+              <a:rPr lang="en-US" dirty="0" smtClean="0">
+                <a:solidFill>
+                  <a:schemeClr val="tx1"/>
+                </a:solidFill>
+              </a:rPr>
               <a:t> </a:t>
             </a:r>
             <a:r>
-              <a:rPr lang="en-US" dirty="0" err="1" smtClean="0"/>
-              <a:t>năng</a:t>
-            </a:r>
-            <a:r>
-              <a:rPr lang="en-US" dirty="0" smtClean="0"/>
+              <a:rPr lang="en-US" dirty="0" err="1" smtClean="0">
+                <a:solidFill>
+                  <a:schemeClr val="tx1"/>
+                </a:solidFill>
+              </a:rPr>
+              <a:t>làm</a:t>
+            </a:r>
+            <a:r>
+              <a:rPr lang="en-US" dirty="0" smtClean="0">
+                <a:solidFill>
+                  <a:schemeClr val="tx1"/>
+                </a:solidFill>
+              </a:rPr>
               <a:t> </a:t>
             </a:r>
             <a:r>
-              <a:rPr lang="en-US" dirty="0" err="1" smtClean="0"/>
-              <a:t>nghiên</a:t>
-            </a:r>
-            <a:r>
-              <a:rPr lang="en-US" dirty="0" smtClean="0"/>
+              <a:rPr lang="en-US" dirty="0" err="1" smtClean="0">
+                <a:solidFill>
+                  <a:schemeClr val="tx1"/>
+                </a:solidFill>
+              </a:rPr>
+              <a:t>việc</a:t>
+            </a:r>
+            <a:r>
+              <a:rPr lang="en-US" dirty="0" smtClean="0">
+                <a:solidFill>
+                  <a:schemeClr val="tx1"/>
+                </a:solidFill>
+              </a:rPr>
               <a:t> </a:t>
             </a:r>
             <a:r>
-              <a:rPr lang="en-US" dirty="0" err="1" smtClean="0"/>
-              <a:t>cứu</a:t>
-            </a:r>
-            <a:r>
-              <a:rPr lang="en-US" dirty="0" smtClean="0"/>
-              <a:t>, </a:t>
-            </a:r>
-            <a:r>
-              <a:rPr lang="en-US" dirty="0" err="1" smtClean="0"/>
-              <a:t>phân</a:t>
-            </a:r>
-            <a:r>
-              <a:rPr lang="en-US" dirty="0" smtClean="0"/>
-              <a:t> chia </a:t>
-            </a:r>
-            <a:r>
-              <a:rPr lang="en-US" dirty="0" err="1" smtClean="0"/>
-              <a:t>thời</a:t>
-            </a:r>
-            <a:r>
-              <a:rPr lang="en-US" dirty="0" smtClean="0"/>
-              <a:t> </a:t>
-            </a:r>
-            <a:r>
-              <a:rPr lang="en-US" dirty="0" err="1" smtClean="0"/>
-              <a:t>gian</a:t>
-            </a:r>
-            <a:endParaRPr lang="en-US" dirty="0" smtClean="0"/>
-          </a:p>
-          <a:p>
-            <a:pPr lvl="1"/>
-            <a:r>
-              <a:rPr lang="en-US" dirty="0" err="1" smtClean="0"/>
-              <a:t>Kỹ</a:t>
-            </a:r>
-            <a:r>
-              <a:rPr lang="en-US" dirty="0" smtClean="0"/>
-              <a:t> </a:t>
-            </a:r>
-            <a:r>
-              <a:rPr lang="en-US" dirty="0" err="1" smtClean="0"/>
-              <a:t>năng</a:t>
-            </a:r>
-            <a:r>
-              <a:rPr lang="en-US" dirty="0" smtClean="0"/>
-              <a:t> </a:t>
-            </a:r>
-            <a:r>
-              <a:rPr lang="en-US" dirty="0" err="1" smtClean="0"/>
-              <a:t>làm</a:t>
-            </a:r>
-            <a:r>
-              <a:rPr lang="en-US" dirty="0" smtClean="0"/>
-              <a:t> </a:t>
-            </a:r>
-            <a:r>
-              <a:rPr lang="en-US" dirty="0" err="1" smtClean="0"/>
-              <a:t>việc</a:t>
-            </a:r>
-            <a:r>
-              <a:rPr lang="en-US" dirty="0" smtClean="0"/>
-              <a:t> </a:t>
-            </a:r>
-            <a:r>
-              <a:rPr lang="en-US" dirty="0" err="1" smtClean="0"/>
+              <a:rPr lang="en-US" dirty="0" err="1" smtClean="0">
+                <a:solidFill>
+                  <a:schemeClr val="tx1"/>
+                </a:solidFill>
+              </a:rPr>
               <a:t>nhóm</a:t>
             </a:r>
-            <a:endParaRPr lang="en-US" dirty="0"/>
+            <a:endParaRPr lang="en-US" dirty="0">
+              <a:solidFill>
+                <a:schemeClr val="tx1"/>
+              </a:solidFill>
+            </a:endParaRPr>
           </a:p>
         </p:txBody>
       </p:sp>
@@ -6466,6 +6574,13 @@
   <p:clrMapOvr>
     <a:masterClrMapping/>
   </p:clrMapOvr>
+  <p:timing>
+    <p:tnLst>
+      <p:par>
+        <p:cTn id="1" dur="indefinite" restart="never" nodeType="tmRoot"/>
+      </p:par>
+    </p:tnLst>
+  </p:timing>
 </p:sld>
 </file>
 
@@ -6496,36 +6611,24 @@
             <p:ph type="title"/>
           </p:nvPr>
         </p:nvSpPr>
-        <p:spPr/>
-        <p:txBody>
-          <a:bodyPr/>
+        <p:spPr>
+          <a:xfrm>
+            <a:off x="457200" y="2133600"/>
+            <a:ext cx="8229600" cy="1066800"/>
+          </a:xfrm>
+        </p:spPr>
+        <p:txBody>
+          <a:bodyPr>
+            <a:normAutofit/>
+          </a:bodyPr>
           <a:lstStyle/>
           <a:p>
             <a:pPr algn="ctr"/>
             <a:r>
-              <a:rPr lang="en-US" dirty="0" smtClean="0"/>
+              <a:rPr lang="en-US" sz="5400" dirty="0" smtClean="0"/>
               <a:t>DEMO</a:t>
             </a:r>
-            <a:endParaRPr lang="en-US" dirty="0"/>
-          </a:p>
-        </p:txBody>
-      </p:sp>
-      <p:sp>
-        <p:nvSpPr>
-          <p:cNvPr id="3" name="Content Placeholder 2"/>
-          <p:cNvSpPr>
-            <a:spLocks noGrp="1"/>
-          </p:cNvSpPr>
-          <p:nvPr>
-            <p:ph idx="1"/>
-          </p:nvPr>
-        </p:nvSpPr>
-        <p:spPr/>
-        <p:txBody>
-          <a:bodyPr/>
-          <a:lstStyle/>
-          <a:p>
-            <a:endParaRPr lang="en-US" dirty="0"/>
+            <a:endParaRPr lang="en-US" sz="5400" dirty="0"/>
           </a:p>
         </p:txBody>
       </p:sp>
@@ -6563,11 +6666,18 @@
   <p:clrMapOvr>
     <a:masterClrMapping/>
   </p:clrMapOvr>
+  <p:timing>
+    <p:tnLst>
+      <p:par>
+        <p:cTn id="1" dur="indefinite" restart="never" nodeType="tmRoot"/>
+      </p:par>
+    </p:tnLst>
+  </p:timing>
 </p:sld>
 </file>
 
 <file path=ppt/slides/slide2.xml><?xml version="1.0" encoding="utf-8"?>
-<p:sld xmlns:a="http://schemas.openxmlformats.org/drawingml/2006/main" xmlns:r="http://schemas.openxmlformats.org/officeDocument/2006/relationships" xmlns:p="http://schemas.openxmlformats.org/presentationml/2006/main" show="0">
+<p:sld xmlns:a="http://schemas.openxmlformats.org/drawingml/2006/main" xmlns:r="http://schemas.openxmlformats.org/officeDocument/2006/relationships" xmlns:p="http://schemas.openxmlformats.org/presentationml/2006/main">
   <p:cSld>
     <p:spTree>
       <p:nvGrpSpPr>
@@ -6740,7 +6850,6 @@
               <a:rPr lang="en-US" dirty="0" smtClean="0"/>
               <a:t> </a:t>
             </a:r>
-            <a:endParaRPr lang="en-US" dirty="0" smtClean="0"/>
           </a:p>
           <a:p>
             <a:r>
@@ -7167,12 +7276,16 @@
               <a:t> </a:t>
             </a:r>
             <a:r>
-              <a:rPr lang="en-US" dirty="0" err="1" smtClean="0"/>
+              <a:rPr lang="en-US" err="1" smtClean="0"/>
               <a:t>thành</a:t>
             </a:r>
             <a:r>
-              <a:rPr lang="en-US" dirty="0" smtClean="0"/>
-              <a:t> website</a:t>
+              <a:rPr lang="en-US" smtClean="0"/>
+              <a:t> </a:t>
+            </a:r>
+            <a:r>
+              <a:rPr lang="en-US" smtClean="0"/>
+              <a:t>các chức năng chính website tra cứu việc làm</a:t>
             </a:r>
             <a:endParaRPr lang="en-US" dirty="0" smtClean="0"/>
           </a:p>
@@ -7689,6 +7802,13 @@
   <p:clrMapOvr>
     <a:masterClrMapping/>
   </p:clrMapOvr>
+  <p:timing>
+    <p:tnLst>
+      <p:par>
+        <p:cTn id="1" dur="indefinite" restart="never" nodeType="tmRoot"/>
+      </p:par>
+    </p:tnLst>
+  </p:timing>
 </p:sld>
 </file>
 
@@ -7895,8 +8015,8 @@
         </p:blipFill>
         <p:spPr bwMode="auto">
           <a:xfrm>
-            <a:off x="457200" y="1524000"/>
-            <a:ext cx="8077199" cy="5105400"/>
+            <a:off x="609600" y="1524000"/>
+            <a:ext cx="7848600" cy="5105400"/>
           </a:xfrm>
           <a:prstGeom prst="rect">
             <a:avLst/>

--- a/Docs/JobFinder.pptx
+++ b/Docs/JobFinder.pptx
@@ -4950,15 +4950,7 @@
             <a:pPr algn="ctr"/>
             <a:r>
               <a:rPr lang="en-US" sz="4800" smtClean="0"/>
-              <a:t>Xây dựng </a:t>
-            </a:r>
-            <a:r>
-              <a:rPr lang="en-US" sz="4800" smtClean="0"/>
-              <a:t>website tìm </a:t>
-            </a:r>
-            <a:r>
-              <a:rPr lang="en-US" sz="4800" smtClean="0"/>
-              <a:t>kiếm việc làm</a:t>
+              <a:t>Xây dựng website tìm kiếm việc làm</a:t>
             </a:r>
             <a:endParaRPr lang="en-US" sz="4800"/>
           </a:p>
@@ -6742,32 +6734,8 @@
           <a:lstStyle/>
           <a:p>
             <a:r>
-              <a:rPr lang="en-US" dirty="0" err="1" smtClean="0"/>
-              <a:t>Giới</a:t>
-            </a:r>
-            <a:r>
-              <a:rPr lang="en-US" dirty="0" smtClean="0"/>
-              <a:t> </a:t>
-            </a:r>
-            <a:r>
-              <a:rPr lang="en-US" dirty="0" err="1" smtClean="0"/>
-              <a:t>thiệu</a:t>
-            </a:r>
-            <a:r>
-              <a:rPr lang="en-US" dirty="0" smtClean="0"/>
-              <a:t> </a:t>
-            </a:r>
-            <a:r>
-              <a:rPr lang="en-US" dirty="0" err="1" smtClean="0"/>
-              <a:t>đề</a:t>
-            </a:r>
-            <a:r>
-              <a:rPr lang="en-US" dirty="0" smtClean="0"/>
-              <a:t> </a:t>
-            </a:r>
-            <a:r>
-              <a:rPr lang="en-US" dirty="0" err="1" smtClean="0"/>
-              <a:t>tài</a:t>
+              <a:rPr lang="en-US" smtClean="0"/>
+              <a:t>Mục tiêu</a:t>
             </a:r>
             <a:endParaRPr lang="en-US" dirty="0" smtClean="0"/>
           </a:p>
@@ -6896,11 +6864,11 @@
   <p:clrMapOvr>
     <a:masterClrMapping/>
   </p:clrMapOvr>
-  <mc:AlternateContent xmlns:mc="http://schemas.openxmlformats.org/markup-compatibility/2006">
-    <mc:Choice xmlns:p14="http://schemas.microsoft.com/office/powerpoint/2010/main" Requires="p14">
+  <mc:AlternateContent xmlns:mc="http://schemas.openxmlformats.org/markup-compatibility/2006" xmlns:p14="http://schemas.microsoft.com/office/powerpoint/2010/main">
+    <mc:Choice Requires="p14">
       <p:transition spd="slow" p14:dur="2000"/>
     </mc:Choice>
-    <mc:Fallback>
+    <mc:Fallback xmlns="">
       <p:transition spd="slow"/>
     </mc:Fallback>
   </mc:AlternateContent>
@@ -7281,11 +7249,7 @@
             </a:r>
             <a:r>
               <a:rPr lang="en-US" smtClean="0"/>
-              <a:t> </a:t>
-            </a:r>
-            <a:r>
-              <a:rPr lang="en-US" smtClean="0"/>
-              <a:t>các chức năng chính website tra cứu việc làm</a:t>
+              <a:t> các chức năng chính website tra cứu việc làm</a:t>
             </a:r>
             <a:endParaRPr lang="en-US" dirty="0" smtClean="0"/>
           </a:p>
